--- a/hercules2025_D_coherence_transport.pptx
+++ b/hercules2025_D_coherence_transport.pptx
@@ -247,7 +247,7 @@
             <a:fld id="{D680E798-53FF-4C51-A981-953463752515}" type="datetimeFigureOut">
               <a:rPr lang="fr-FR" smtClean="0"/>
               <a:pPr/>
-              <a:t>20/03/2024</a:t>
+              <a:t>11/03/2025</a:t>
             </a:fld>
             <a:endParaRPr lang="fr-FR"/>
           </a:p>
@@ -697,10 +697,9 @@
           <a:lstStyle/>
           <a:p>
             <a:r>
-              <a:rPr lang="en-US" noProof="0" smtClean="0"/>
+              <a:rPr lang="en-US" noProof="0"/>
               <a:t>26/07/2013</a:t>
             </a:r>
-            <a:endParaRPr lang="en-US" noProof="0"/>
           </a:p>
         </p:txBody>
       </p:sp>
@@ -764,8 +763,8 @@
           </a:lstStyle>
           <a:p>
             <a:r>
-              <a:rPr lang="en-US" noProof="0" smtClean="0"/>
-              <a:t>OASYS-Coherence transport | HERCULES2024</a:t>
+              <a:rPr lang="en-US" noProof="0"/>
+              <a:t>OASYS-Coherence transport | HERCULES2025</a:t>
             </a:r>
             <a:endParaRPr lang="en-US" noProof="0" dirty="0"/>
           </a:p>
@@ -1043,10 +1042,9 @@
           <a:lstStyle/>
           <a:p>
             <a:r>
-              <a:rPr lang="en-US" noProof="0" smtClean="0"/>
+              <a:rPr lang="en-US" noProof="0"/>
               <a:t>26/07/2013</a:t>
             </a:r>
-            <a:endParaRPr lang="en-US" noProof="0"/>
           </a:p>
         </p:txBody>
       </p:sp>
@@ -1094,10 +1092,9 @@
           <a:lstStyle/>
           <a:p>
             <a:r>
-              <a:rPr lang="en-US" noProof="0" smtClean="0"/>
-              <a:t>OASYS-Coherence transport | HERCULES2024</a:t>
-            </a:r>
-            <a:endParaRPr lang="en-US" noProof="0"/>
+              <a:rPr lang="en-US" noProof="0"/>
+              <a:t>OASYS-Coherence transport | HERCULES2025</a:t>
+            </a:r>
           </a:p>
         </p:txBody>
       </p:sp>
@@ -1232,10 +1229,9 @@
           <a:lstStyle/>
           <a:p>
             <a:r>
-              <a:rPr lang="en-US" noProof="0" smtClean="0"/>
+              <a:rPr lang="en-US" noProof="0"/>
               <a:t>26/07/2013</a:t>
             </a:r>
-            <a:endParaRPr lang="en-US" noProof="0"/>
           </a:p>
         </p:txBody>
       </p:sp>
@@ -1283,10 +1279,9 @@
           <a:lstStyle/>
           <a:p>
             <a:r>
-              <a:rPr lang="en-US" noProof="0" smtClean="0"/>
-              <a:t>OASYS-Coherence transport | HERCULES2024</a:t>
-            </a:r>
-            <a:endParaRPr lang="en-US" noProof="0"/>
+              <a:rPr lang="en-US" noProof="0"/>
+              <a:t>OASYS-Coherence transport | HERCULES2025</a:t>
+            </a:r>
           </a:p>
         </p:txBody>
       </p:sp>
@@ -1353,10 +1348,9 @@
           <a:lstStyle/>
           <a:p>
             <a:r>
-              <a:rPr lang="en-US" noProof="0" smtClean="0"/>
+              <a:rPr lang="en-US" noProof="0"/>
               <a:t>26/07/2013</a:t>
             </a:r>
-            <a:endParaRPr lang="en-US" noProof="0"/>
           </a:p>
         </p:txBody>
       </p:sp>
@@ -1404,10 +1398,9 @@
           <a:lstStyle/>
           <a:p>
             <a:r>
-              <a:rPr lang="en-US" noProof="0" smtClean="0"/>
-              <a:t>OASYS-Coherence transport | HERCULES2024</a:t>
-            </a:r>
-            <a:endParaRPr lang="en-US" noProof="0"/>
+              <a:rPr lang="en-US" noProof="0"/>
+              <a:t>OASYS-Coherence transport | HERCULES2025</a:t>
+            </a:r>
           </a:p>
         </p:txBody>
       </p:sp>
@@ -1597,7 +1590,7 @@
           </a:lstStyle>
           <a:p>
             <a:r>
-              <a:rPr lang="en-US" smtClean="0"/>
+              <a:rPr lang="en-US"/>
               <a:t>26/07/2013</a:t>
             </a:r>
             <a:endParaRPr lang="fr-FR" dirty="0"/>
@@ -1638,8 +1631,8 @@
           </a:lstStyle>
           <a:p>
             <a:r>
-              <a:rPr lang="en-US" smtClean="0"/>
-              <a:t>OASYS-Coherence transport | HERCULES2024</a:t>
+              <a:rPr lang="en-US"/>
+              <a:t>OASYS-Coherence transport | HERCULES2025</a:t>
             </a:r>
             <a:endParaRPr lang="fr-FR" dirty="0"/>
           </a:p>
@@ -2134,8 +2127,8 @@
           <a:lstStyle/>
           <a:p>
             <a:r>
-              <a:rPr lang="en-US" noProof="0" smtClean="0"/>
-              <a:t>OASYS-Coherence transport | HERCULES2024</a:t>
+              <a:rPr lang="en-US" noProof="0"/>
+              <a:t>OASYS-Coherence transport | HERCULES2025</a:t>
             </a:r>
             <a:endParaRPr lang="en-US" noProof="0" dirty="0"/>
           </a:p>
@@ -2562,8 +2555,8 @@
           <a:lstStyle/>
           <a:p>
             <a:r>
-              <a:rPr lang="en-US" noProof="0" smtClean="0"/>
-              <a:t>OASYS-Coherence transport | HERCULES2024</a:t>
+              <a:rPr lang="en-US" noProof="0"/>
+              <a:t>OASYS-Coherence transport | HERCULES2025</a:t>
             </a:r>
             <a:endParaRPr lang="en-US" noProof="0" dirty="0"/>
           </a:p>
@@ -2787,15 +2780,6 @@
                 <a:spcPct val="20000"/>
               </a:spcBef>
             </a:pPr>
-            <a:r>
-              <a:rPr lang="en-US" sz="1000" b="1" dirty="0">
-                <a:solidFill>
-                  <a:srgbClr val="008000"/>
-                </a:solidFill>
-                <a:latin typeface="Helvetica" charset="0"/>
-              </a:rPr>
-              <a:t/>
-            </a:r>
             <a:br>
               <a:rPr lang="en-US" sz="1000" b="1" dirty="0">
                 <a:solidFill>
@@ -3366,8 +3350,8 @@
           <a:lstStyle/>
           <a:p>
             <a:r>
-              <a:rPr lang="en-US" noProof="0" smtClean="0"/>
-              <a:t>OASYS-Coherence transport | HERCULES2024</a:t>
+              <a:rPr lang="en-US" noProof="0"/>
+              <a:t>OASYS-Coherence transport | HERCULES2025</a:t>
             </a:r>
             <a:endParaRPr lang="en-US" noProof="0" dirty="0"/>
           </a:p>
@@ -3657,10 +3641,6 @@
             <a:r>
               <a:rPr lang="en-US" dirty="0" err="1"/>
               <a:t>Å</a:t>
-            </a:r>
-            <a:r>
-              <a:rPr lang="en-US" dirty="0"/>
-              <a:t/>
             </a:r>
             <a:br>
               <a:rPr lang="en-US" dirty="0"/>
@@ -3873,8 +3853,8 @@
           <a:lstStyle/>
           <a:p>
             <a:r>
-              <a:rPr lang="en-US" noProof="0" smtClean="0"/>
-              <a:t>OASYS-Coherence transport | HERCULES2024</a:t>
+              <a:rPr lang="en-US" noProof="0"/>
+              <a:t>OASYS-Coherence transport | HERCULES2025</a:t>
             </a:r>
             <a:endParaRPr lang="en-US" noProof="0" dirty="0"/>
           </a:p>
@@ -5544,8 +5524,8 @@
           <a:lstStyle/>
           <a:p>
             <a:r>
-              <a:rPr lang="en-US" noProof="0" smtClean="0"/>
-              <a:t>OASYS-Coherence transport | HERCULES2024</a:t>
+              <a:rPr lang="en-US" noProof="0"/>
+              <a:t>OASYS-Coherence transport | HERCULES2025</a:t>
             </a:r>
             <a:endParaRPr lang="en-US" noProof="0" dirty="0"/>
           </a:p>
@@ -6096,21 +6076,16 @@
             <a:pPr algn="ctr"/>
             <a:r>
               <a:rPr lang="en-US" sz="1167" dirty="0"/>
-              <a:t>March </a:t>
-            </a:r>
-            <a:r>
-              <a:rPr lang="en-US" sz="1167" dirty="0" smtClean="0"/>
-              <a:t>22</a:t>
-            </a:r>
-            <a:r>
-              <a:rPr lang="en-US" sz="1167" baseline="30000" dirty="0" smtClean="0"/>
-              <a:t>nd</a:t>
-            </a:r>
-            <a:r>
-              <a:rPr lang="en-US" sz="1167" dirty="0" smtClean="0"/>
-              <a:t> 2024</a:t>
-            </a:r>
-            <a:endParaRPr lang="en-US" sz="1167" dirty="0"/>
+              <a:t>March 21</a:t>
+            </a:r>
+            <a:r>
+              <a:rPr lang="en-US" sz="1167" baseline="30000" dirty="0"/>
+              <a:t>st</a:t>
+            </a:r>
+            <a:r>
+              <a:rPr lang="en-US" sz="1167" dirty="0"/>
+              <a:t> 2025</a:t>
+            </a:r>
           </a:p>
           <a:p>
             <a:pPr algn="ctr"/>
@@ -6194,8 +6169,8 @@
           <a:lstStyle/>
           <a:p>
             <a:r>
-              <a:rPr lang="en-GB" sz="833" smtClean="0"/>
-              <a:t>OASYS-Coherence transport | HERCULES2024</a:t>
+              <a:rPr lang="en-GB" sz="833"/>
+              <a:t>OASYS-Coherence transport | HERCULES2025</a:t>
             </a:r>
             <a:endParaRPr lang="fr-FR" sz="833" dirty="0"/>
           </a:p>
@@ -6495,10 +6470,9 @@
           <a:lstStyle/>
           <a:p>
             <a:r>
-              <a:rPr lang="en-US" noProof="0" smtClean="0"/>
-              <a:t>OASYS-Coherence transport | HERCULES2024</a:t>
-            </a:r>
-            <a:endParaRPr lang="en-US" noProof="0"/>
+              <a:rPr lang="en-US" noProof="0"/>
+              <a:t>OASYS-Coherence transport | HERCULES2025</a:t>
+            </a:r>
           </a:p>
         </p:txBody>
       </p:sp>
@@ -6877,10 +6851,9 @@
           <a:lstStyle/>
           <a:p>
             <a:r>
-              <a:rPr lang="en-US" noProof="0" smtClean="0"/>
-              <a:t>OASYS-Coherence transport | HERCULES2024</a:t>
-            </a:r>
-            <a:endParaRPr lang="en-US" noProof="0"/>
+              <a:rPr lang="en-US" noProof="0"/>
+              <a:t>OASYS-Coherence transport | HERCULES2025</a:t>
+            </a:r>
           </a:p>
         </p:txBody>
       </p:sp>
@@ -7743,8 +7716,8 @@
           <a:lstStyle/>
           <a:p>
             <a:r>
-              <a:rPr lang="en-US" noProof="0" smtClean="0"/>
-              <a:t>OASYS-Coherence transport | HERCULES2024</a:t>
+              <a:rPr lang="en-US" noProof="0"/>
+              <a:t>OASYS-Coherence transport | HERCULES2025</a:t>
             </a:r>
             <a:endParaRPr lang="en-US" noProof="0" dirty="0"/>
           </a:p>
@@ -8397,8 +8370,8 @@
           <a:lstStyle/>
           <a:p>
             <a:r>
-              <a:rPr lang="en-US" noProof="0" smtClean="0"/>
-              <a:t>OASYS-Coherence transport | HERCULES2024</a:t>
+              <a:rPr lang="en-US" noProof="0"/>
+              <a:t>OASYS-Coherence transport | HERCULES2025</a:t>
             </a:r>
             <a:endParaRPr lang="en-US" noProof="0" dirty="0"/>
           </a:p>
@@ -10649,8 +10622,8 @@
           <a:lstStyle/>
           <a:p>
             <a:r>
-              <a:rPr lang="en-US" noProof="0" smtClean="0"/>
-              <a:t>OASYS-Coherence transport | HERCULES2024</a:t>
+              <a:rPr lang="en-US" noProof="0"/>
+              <a:t>OASYS-Coherence transport | HERCULES2025</a:t>
             </a:r>
             <a:endParaRPr lang="en-US" noProof="0" dirty="0"/>
           </a:p>
@@ -11123,8 +11096,8 @@
           <a:lstStyle/>
           <a:p>
             <a:r>
-              <a:rPr lang="en-US" noProof="0" smtClean="0"/>
-              <a:t>OASYS-Coherence transport | HERCULES2024</a:t>
+              <a:rPr lang="en-US" noProof="0"/>
+              <a:t>OASYS-Coherence transport | HERCULES2025</a:t>
             </a:r>
             <a:endParaRPr lang="en-US" noProof="0" dirty="0"/>
           </a:p>
@@ -12062,7 +12035,7 @@
               <a:t> x </a:t>
             </a:r>
             <a:r>
-              <a:rPr lang="en-US" sz="1400" dirty="0" err="1" smtClean="0">
+              <a:rPr lang="en-US" sz="1400" dirty="0" err="1">
                 <a:solidFill>
                   <a:srgbClr val="FF0000"/>
                 </a:solidFill>
@@ -12070,18 +12043,13 @@
               <a:t>CFv</a:t>
             </a:r>
             <a:r>
-              <a:rPr lang="en-US" sz="1400" dirty="0" smtClean="0">
+              <a:rPr lang="en-US" sz="1400" dirty="0">
                 <a:solidFill>
                   <a:srgbClr val="FF0000"/>
                 </a:solidFill>
               </a:rPr>
               <a:t>:</a:t>
             </a:r>
-            <a:endParaRPr lang="en-US" sz="1400" dirty="0">
-              <a:solidFill>
-                <a:srgbClr val="FF0000"/>
-              </a:solidFill>
-            </a:endParaRPr>
           </a:p>
           <a:p>
             <a:pPr marL="285750" indent="-285750">
@@ -12323,10 +12291,9 @@
           <a:lstStyle/>
           <a:p>
             <a:r>
-              <a:rPr lang="en-US" noProof="0" smtClean="0"/>
-              <a:t>OASYS-Coherence transport | HERCULES2024</a:t>
-            </a:r>
-            <a:endParaRPr lang="en-US" noProof="0"/>
+              <a:rPr lang="en-US" noProof="0"/>
+              <a:t>OASYS-Coherence transport | HERCULES2025</a:t>
+            </a:r>
           </a:p>
         </p:txBody>
       </p:sp>

--- a/hercules2025_D_coherence_transport.pptx
+++ b/hercules2025_D_coherence_transport.pptx
@@ -5,7 +5,7 @@
     <p:sldMasterId id="2147483648" r:id="rId1"/>
   </p:sldMasterIdLst>
   <p:notesMasterIdLst>
-    <p:notesMasterId r:id="rId16"/>
+    <p:notesMasterId r:id="rId17"/>
   </p:notesMasterIdLst>
   <p:sldIdLst>
     <p:sldId id="262" r:id="rId2"/>
@@ -16,12 +16,13 @@
     <p:sldId id="534" r:id="rId7"/>
     <p:sldId id="535" r:id="rId8"/>
     <p:sldId id="536" r:id="rId9"/>
-    <p:sldId id="538" r:id="rId10"/>
-    <p:sldId id="297" r:id="rId11"/>
-    <p:sldId id="539" r:id="rId12"/>
-    <p:sldId id="540" r:id="rId13"/>
-    <p:sldId id="541" r:id="rId14"/>
-    <p:sldId id="542" r:id="rId15"/>
+    <p:sldId id="543" r:id="rId10"/>
+    <p:sldId id="538" r:id="rId11"/>
+    <p:sldId id="297" r:id="rId12"/>
+    <p:sldId id="539" r:id="rId13"/>
+    <p:sldId id="540" r:id="rId14"/>
+    <p:sldId id="541" r:id="rId15"/>
+    <p:sldId id="542" r:id="rId16"/>
   </p:sldIdLst>
   <p:sldSz cx="9144000" cy="5715000" type="screen16x10"/>
   <p:notesSz cx="6858000" cy="9144000"/>
@@ -2075,11 +2076,7 @@
           <a:bodyPr/>
           <a:lstStyle/>
           <a:p>
-            <a:r>
-              <a:rPr lang="en-US" sz="1800" dirty="0"/>
-              <a:t>Coherent radiation produces interference patterns</a:t>
-            </a:r>
-            <a:endParaRPr lang="en-GB" sz="1800" cap="none" dirty="0"/>
+            <a:endParaRPr lang="en-GB" sz="2400" cap="none" dirty="0"/>
           </a:p>
         </p:txBody>
       </p:sp>
@@ -2113,7 +2110,83 @@
       </p:sp>
       <p:sp>
         <p:nvSpPr>
-          <p:cNvPr id="7" name="Footer Placeholder 6"/>
+          <p:cNvPr id="17" name="TextBox 16">
+            <a:extLst>
+              <a:ext uri="{FF2B5EF4-FFF2-40B4-BE49-F238E27FC236}">
+                <a16:creationId xmlns:a16="http://schemas.microsoft.com/office/drawing/2014/main" id="{1ADE9718-135A-43A5-A806-290EDF657BD2}"/>
+              </a:ext>
+            </a:extLst>
+          </p:cNvPr>
+          <p:cNvSpPr txBox="1"/>
+          <p:nvPr/>
+        </p:nvSpPr>
+        <p:spPr>
+          <a:xfrm>
+            <a:off x="7524328" y="836728"/>
+            <a:ext cx="1204176" cy="369332"/>
+          </a:xfrm>
+          <a:prstGeom prst="rect">
+            <a:avLst/>
+          </a:prstGeom>
+          <a:noFill/>
+        </p:spPr>
+        <p:txBody>
+          <a:bodyPr wrap="none" rtlCol="0">
+            <a:spAutoFit/>
+          </a:bodyPr>
+          <a:lstStyle/>
+          <a:p>
+            <a:r>
+              <a:rPr lang="en-US" dirty="0" err="1"/>
+              <a:t>CFh</a:t>
+            </a:r>
+            <a:r>
+              <a:rPr lang="en-US" dirty="0"/>
+              <a:t>=0.53</a:t>
+            </a:r>
+            <a:endParaRPr lang="en-GB" dirty="0"/>
+          </a:p>
+        </p:txBody>
+      </p:sp>
+      <p:sp>
+        <p:nvSpPr>
+          <p:cNvPr id="18" name="TextBox 17">
+            <a:extLst>
+              <a:ext uri="{FF2B5EF4-FFF2-40B4-BE49-F238E27FC236}">
+                <a16:creationId xmlns:a16="http://schemas.microsoft.com/office/drawing/2014/main" id="{BBAC4C97-F13C-4E21-99E0-C0A24A85019D}"/>
+              </a:ext>
+            </a:extLst>
+          </p:cNvPr>
+          <p:cNvSpPr txBox="1"/>
+          <p:nvPr/>
+        </p:nvSpPr>
+        <p:spPr>
+          <a:xfrm>
+            <a:off x="3347864" y="2569468"/>
+            <a:ext cx="1851789" cy="369332"/>
+          </a:xfrm>
+          <a:prstGeom prst="rect">
+            <a:avLst/>
+          </a:prstGeom>
+          <a:noFill/>
+        </p:spPr>
+        <p:txBody>
+          <a:bodyPr wrap="none" rtlCol="0">
+            <a:spAutoFit/>
+          </a:bodyPr>
+          <a:lstStyle/>
+          <a:p>
+            <a:r>
+              <a:rPr lang="en-US" dirty="0"/>
+              <a:t>Additional slides</a:t>
+            </a:r>
+            <a:endParaRPr lang="en-GB" dirty="0"/>
+          </a:p>
+        </p:txBody>
+      </p:sp>
+      <p:sp>
+        <p:nvSpPr>
+          <p:cNvPr id="3" name="Footer Placeholder 2"/>
           <p:cNvSpPr>
             <a:spLocks noGrp="1"/>
           </p:cNvSpPr>
@@ -2130,338 +2203,13 @@
               <a:rPr lang="en-US" noProof="0"/>
               <a:t>OASYS-Coherence transport | HERCULES2025</a:t>
             </a:r>
-            <a:endParaRPr lang="en-US" noProof="0" dirty="0"/>
-          </a:p>
-        </p:txBody>
-      </p:sp>
-      <p:pic>
-        <p:nvPicPr>
-          <p:cNvPr id="15" name="Picture 2" descr="http://www.chs.d211.org/science/kulakmp/HWAnswers/13%20LightDifInterf/6%20-%20conglom%20%20homework%20ans_files/image056.gif">
-            <a:extLst>
-              <a:ext uri="{FF2B5EF4-FFF2-40B4-BE49-F238E27FC236}">
-                <a16:creationId xmlns:a16="http://schemas.microsoft.com/office/drawing/2014/main" id="{E7C3DBF9-070D-42CD-8354-384967957601}"/>
-              </a:ext>
-            </a:extLst>
-          </p:cNvPr>
-          <p:cNvPicPr>
-            <a:picLocks noChangeAspect="1" noChangeArrowheads="1"/>
-          </p:cNvPicPr>
-          <p:nvPr/>
-        </p:nvPicPr>
-        <p:blipFill>
-          <a:blip r:embed="rId2" cstate="print"/>
-          <a:srcRect/>
-          <a:stretch>
-            <a:fillRect/>
-          </a:stretch>
-        </p:blipFill>
-        <p:spPr bwMode="auto">
-          <a:xfrm>
-            <a:off x="635000" y="1841500"/>
-            <a:ext cx="3946906" cy="2603500"/>
-          </a:xfrm>
-          <a:prstGeom prst="rect">
-            <a:avLst/>
-          </a:prstGeom>
-          <a:noFill/>
-        </p:spPr>
-      </p:pic>
-      <p:pic>
-        <p:nvPicPr>
-          <p:cNvPr id="18" name="Picture 4" descr="Part a of the figure shows a slit in a vertical bar. To the right of the bar is a graph of intensity versus height. The graph is turned ninety degrees counterclockwise so that the intensity scale increases to the left and the height increases as you go up the page. Just in front of the gap, a strong central peak extends leftward from the graph’s baseline, and many smaller satellite peaks appear above and below this central peak. Part b of the figure shows a drawing of the two-dimensional intensity pattern that is observed from single slit diffraction. The central stripe is quite broad compared to the satellite stripes, and there are dark areas between all the stripes.">
-            <a:extLst>
-              <a:ext uri="{FF2B5EF4-FFF2-40B4-BE49-F238E27FC236}">
-                <a16:creationId xmlns:a16="http://schemas.microsoft.com/office/drawing/2014/main" id="{B434B3E0-7837-4CE8-99A1-12DCA668B510}"/>
-              </a:ext>
-            </a:extLst>
-          </p:cNvPr>
-          <p:cNvPicPr>
-            <a:picLocks noChangeAspect="1" noChangeArrowheads="1"/>
-          </p:cNvPicPr>
-          <p:nvPr/>
-        </p:nvPicPr>
-        <p:blipFill>
-          <a:blip r:embed="rId3" cstate="print"/>
-          <a:srcRect/>
-          <a:stretch>
-            <a:fillRect/>
-          </a:stretch>
-        </p:blipFill>
-        <p:spPr bwMode="auto">
-          <a:xfrm>
-            <a:off x="5653857" y="1651000"/>
-            <a:ext cx="2220143" cy="2476500"/>
-          </a:xfrm>
-          <a:prstGeom prst="rect">
-            <a:avLst/>
-          </a:prstGeom>
-          <a:noFill/>
-        </p:spPr>
-      </p:pic>
-      <p:pic>
-        <p:nvPicPr>
-          <p:cNvPr id="19" name="Picture 6" descr="Both parts of the figure show a schematic of a double slit experiment. Two waves, each of which is emitted from a different slit, propagate from the slits to the screen. In the first schematic, when the waves meet on the screen, one of the waves is at a maximum whereas the other is at a minimum. This schematic is labeled dark (destructive interference). In the second schematic, when the waves meet on the screen, both waves are at a minimum.. This schematic is labeled bright (constructive interference).">
-            <a:extLst>
-              <a:ext uri="{FF2B5EF4-FFF2-40B4-BE49-F238E27FC236}">
-                <a16:creationId xmlns:a16="http://schemas.microsoft.com/office/drawing/2014/main" id="{8E925B7A-062F-42E5-8B08-63E368B6B896}"/>
-              </a:ext>
-            </a:extLst>
-          </p:cNvPr>
-          <p:cNvPicPr>
-            <a:picLocks noChangeAspect="1" noChangeArrowheads="1"/>
-          </p:cNvPicPr>
-          <p:nvPr/>
-        </p:nvPicPr>
-        <p:blipFill>
-          <a:blip r:embed="rId4" cstate="print"/>
-          <a:srcRect/>
-          <a:stretch>
-            <a:fillRect/>
-          </a:stretch>
-        </p:blipFill>
-        <p:spPr bwMode="auto">
-          <a:xfrm>
-            <a:off x="1841500" y="4127500"/>
-            <a:ext cx="1778000" cy="1089153"/>
-          </a:xfrm>
-          <a:prstGeom prst="rect">
-            <a:avLst/>
-          </a:prstGeom>
-          <a:noFill/>
-        </p:spPr>
-      </p:pic>
-      <p:pic>
-        <p:nvPicPr>
-          <p:cNvPr id="21" name="Picture 8" descr="http://cnx.org/resources/6c9b32e6a6df56d4b3a1755583beca00/Figure_28_05_03a.jpg">
-            <a:extLst>
-              <a:ext uri="{FF2B5EF4-FFF2-40B4-BE49-F238E27FC236}">
-                <a16:creationId xmlns:a16="http://schemas.microsoft.com/office/drawing/2014/main" id="{6E3BB5B1-CF92-43B5-A140-5CC388DB3FA3}"/>
-              </a:ext>
-            </a:extLst>
-          </p:cNvPr>
-          <p:cNvPicPr>
-            <a:picLocks noChangeAspect="1" noChangeArrowheads="1"/>
-          </p:cNvPicPr>
-          <p:nvPr/>
-        </p:nvPicPr>
-        <p:blipFill>
-          <a:blip r:embed="rId5" cstate="print"/>
-          <a:srcRect/>
-          <a:stretch>
-            <a:fillRect/>
-          </a:stretch>
-        </p:blipFill>
-        <p:spPr bwMode="auto">
-          <a:xfrm>
-            <a:off x="6096000" y="4127500"/>
-            <a:ext cx="1714500" cy="1303020"/>
-          </a:xfrm>
-          <a:prstGeom prst="rect">
-            <a:avLst/>
-          </a:prstGeom>
-          <a:noFill/>
-        </p:spPr>
-      </p:pic>
-      <p:sp>
-        <p:nvSpPr>
-          <p:cNvPr id="22" name="Rectangle 21">
-            <a:extLst>
-              <a:ext uri="{FF2B5EF4-FFF2-40B4-BE49-F238E27FC236}">
-                <a16:creationId xmlns:a16="http://schemas.microsoft.com/office/drawing/2014/main" id="{9659CA31-3DD9-4093-BE32-2245845A459D}"/>
-              </a:ext>
-            </a:extLst>
-          </p:cNvPr>
-          <p:cNvSpPr/>
-          <p:nvPr/>
-        </p:nvSpPr>
-        <p:spPr>
-          <a:xfrm>
-            <a:off x="762000" y="2032000"/>
-            <a:ext cx="1079500" cy="1778000"/>
-          </a:xfrm>
-          <a:prstGeom prst="rect">
-            <a:avLst/>
-          </a:prstGeom>
-          <a:solidFill>
-            <a:schemeClr val="bg1"/>
-          </a:solidFill>
-          <a:ln>
-            <a:noFill/>
-          </a:ln>
-        </p:spPr>
-        <p:style>
-          <a:lnRef idx="2">
-            <a:schemeClr val="accent1">
-              <a:shade val="50000"/>
-            </a:schemeClr>
-          </a:lnRef>
-          <a:fillRef idx="1">
-            <a:schemeClr val="accent1"/>
-          </a:fillRef>
-          <a:effectRef idx="0">
-            <a:schemeClr val="accent1"/>
-          </a:effectRef>
-          <a:fontRef idx="minor">
-            <a:schemeClr val="lt1"/>
-          </a:fontRef>
-        </p:style>
-        <p:txBody>
-          <a:bodyPr rtlCol="0" anchor="ctr"/>
-          <a:lstStyle/>
-          <a:p>
-            <a:pPr algn="ctr"/>
-            <a:endParaRPr lang="en-US" sz="1500"/>
-          </a:p>
-        </p:txBody>
-      </p:sp>
-      <p:cxnSp>
-        <p:nvCxnSpPr>
-          <p:cNvPr id="23" name="Elbow Connector 8">
-            <a:extLst>
-              <a:ext uri="{FF2B5EF4-FFF2-40B4-BE49-F238E27FC236}">
-                <a16:creationId xmlns:a16="http://schemas.microsoft.com/office/drawing/2014/main" id="{6D0D6DF9-691A-4AE9-B713-21126293120E}"/>
-              </a:ext>
-            </a:extLst>
-          </p:cNvPr>
-          <p:cNvCxnSpPr/>
-          <p:nvPr/>
-        </p:nvCxnSpPr>
-        <p:spPr>
-          <a:xfrm flipV="1">
-            <a:off x="3175000" y="3873500"/>
-            <a:ext cx="762000" cy="190500"/>
-          </a:xfrm>
-          <a:prstGeom prst="bentConnector3">
-            <a:avLst>
-              <a:gd name="adj1" fmla="val 1111"/>
-            </a:avLst>
-          </a:prstGeom>
-          <a:ln>
-            <a:tailEnd type="arrow"/>
-          </a:ln>
-        </p:spPr>
-        <p:style>
-          <a:lnRef idx="1">
-            <a:schemeClr val="accent1"/>
-          </a:lnRef>
-          <a:fillRef idx="0">
-            <a:schemeClr val="accent1"/>
-          </a:fillRef>
-          <a:effectRef idx="0">
-            <a:schemeClr val="accent1"/>
-          </a:effectRef>
-          <a:fontRef idx="minor">
-            <a:schemeClr val="tx1"/>
-          </a:fontRef>
-        </p:style>
-      </p:cxnSp>
-      <p:cxnSp>
-        <p:nvCxnSpPr>
-          <p:cNvPr id="24" name="Elbow Connector 12">
-            <a:extLst>
-              <a:ext uri="{FF2B5EF4-FFF2-40B4-BE49-F238E27FC236}">
-                <a16:creationId xmlns:a16="http://schemas.microsoft.com/office/drawing/2014/main" id="{458EA7CD-EEA5-44B0-BA80-E965077E872F}"/>
-              </a:ext>
-            </a:extLst>
-          </p:cNvPr>
-          <p:cNvCxnSpPr/>
-          <p:nvPr/>
-        </p:nvCxnSpPr>
-        <p:spPr>
-          <a:xfrm flipV="1">
-            <a:off x="2286000" y="3683000"/>
-            <a:ext cx="1778000" cy="381000"/>
-          </a:xfrm>
-          <a:prstGeom prst="bentConnector3">
-            <a:avLst>
-              <a:gd name="adj1" fmla="val -476"/>
-            </a:avLst>
-          </a:prstGeom>
-          <a:ln>
-            <a:tailEnd type="arrow"/>
-          </a:ln>
-        </p:spPr>
-        <p:style>
-          <a:lnRef idx="1">
-            <a:schemeClr val="accent1"/>
-          </a:lnRef>
-          <a:fillRef idx="0">
-            <a:schemeClr val="accent1"/>
-          </a:fillRef>
-          <a:effectRef idx="0">
-            <a:schemeClr val="accent1"/>
-          </a:effectRef>
-          <a:fontRef idx="minor">
-            <a:schemeClr val="tx1"/>
-          </a:fontRef>
-        </p:style>
-      </p:cxnSp>
-      <p:sp>
-        <p:nvSpPr>
-          <p:cNvPr id="32" name="TextBox 31">
-            <a:extLst>
-              <a:ext uri="{FF2B5EF4-FFF2-40B4-BE49-F238E27FC236}">
-                <a16:creationId xmlns:a16="http://schemas.microsoft.com/office/drawing/2014/main" id="{423C5C44-D4BF-4546-AAC9-357BDBA6A8F7}"/>
-              </a:ext>
-            </a:extLst>
-          </p:cNvPr>
-          <p:cNvSpPr txBox="1"/>
-          <p:nvPr/>
-        </p:nvSpPr>
-        <p:spPr>
-          <a:xfrm>
-            <a:off x="654959" y="703359"/>
-            <a:ext cx="7620000" cy="810350"/>
-          </a:xfrm>
-          <a:prstGeom prst="rect">
-            <a:avLst/>
-          </a:prstGeom>
-          <a:noFill/>
-        </p:spPr>
-        <p:txBody>
-          <a:bodyPr wrap="square" rtlCol="0">
-            <a:spAutoFit/>
-          </a:bodyPr>
-          <a:lstStyle/>
-          <a:p>
-            <a:endParaRPr lang="en-US" sz="1333" dirty="0"/>
-          </a:p>
-          <a:p>
-            <a:endParaRPr lang="en-US" sz="1333" dirty="0"/>
-          </a:p>
-          <a:p>
-            <a:r>
-              <a:rPr lang="en-US" sz="1333" dirty="0"/>
-              <a:t>	</a:t>
-            </a:r>
-            <a:r>
-              <a:rPr lang="en-US" sz="2000" b="1" dirty="0">
-                <a:solidFill>
-                  <a:srgbClr val="FF0000"/>
-                </a:solidFill>
-              </a:rPr>
-              <a:t>	</a:t>
-            </a:r>
-            <a:r>
-              <a:rPr lang="en-US" sz="2000" b="1" dirty="0">
-                <a:solidFill>
-                  <a:srgbClr val="0000FF"/>
-                </a:solidFill>
-              </a:rPr>
-              <a:t>INTERFERENCE		DIFFRACTION  </a:t>
-            </a:r>
-            <a:endParaRPr lang="en-US" sz="1333" b="1" dirty="0">
-              <a:solidFill>
-                <a:srgbClr val="0000FF"/>
-              </a:solidFill>
-            </a:endParaRPr>
           </a:p>
         </p:txBody>
       </p:sp>
     </p:spTree>
     <p:extLst>
       <p:ext uri="{BB962C8B-B14F-4D97-AF65-F5344CB8AC3E}">
-        <p14:creationId xmlns:p14="http://schemas.microsoft.com/office/powerpoint/2010/main" val="2142326328"/>
+        <p14:creationId xmlns:p14="http://schemas.microsoft.com/office/powerpoint/2010/main" val="230473379"/>
       </p:ext>
     </p:extLst>
   </p:cSld>
@@ -2504,10 +2252,10 @@
           <a:lstStyle/>
           <a:p>
             <a:r>
-              <a:rPr lang="en-US" sz="2400" cap="none" dirty="0"/>
-              <a:t>Coherence – Longitudinal and transversal</a:t>
-            </a:r>
-            <a:endParaRPr lang="en-GB" sz="2400" cap="none" dirty="0"/>
+              <a:rPr lang="en-US" sz="1800" dirty="0"/>
+              <a:t>Coherent radiation produces interference patterns</a:t>
+            </a:r>
+            <a:endParaRPr lang="en-GB" sz="1800" cap="none" dirty="0"/>
           </a:p>
         </p:txBody>
       </p:sp>
@@ -2562,317 +2310,12 @@
           </a:p>
         </p:txBody>
       </p:sp>
-      <p:sp>
-        <p:nvSpPr>
-          <p:cNvPr id="16" name="Rectangle 27">
-            <a:extLst>
-              <a:ext uri="{FF2B5EF4-FFF2-40B4-BE49-F238E27FC236}">
-                <a16:creationId xmlns:a16="http://schemas.microsoft.com/office/drawing/2014/main" id="{8D6A3A4A-9FBD-4F82-BC84-1EF743251050}"/>
-              </a:ext>
-            </a:extLst>
-          </p:cNvPr>
-          <p:cNvSpPr>
-            <a:spLocks noChangeArrowheads="1"/>
-          </p:cNvSpPr>
-          <p:nvPr/>
-        </p:nvSpPr>
-        <p:spPr bwMode="auto">
-          <a:xfrm>
-            <a:off x="889001" y="565336"/>
-            <a:ext cx="4635500" cy="4635500"/>
-          </a:xfrm>
-          <a:prstGeom prst="rect">
-            <a:avLst/>
-          </a:prstGeom>
-          <a:noFill/>
-          <a:ln w="9525">
-            <a:noFill/>
-            <a:miter lim="800000"/>
-            <a:headEnd/>
-            <a:tailEnd/>
-          </a:ln>
-        </p:spPr>
-        <p:txBody>
-          <a:bodyPr/>
-          <a:lstStyle/>
-          <a:p>
-            <a:pPr>
-              <a:spcBef>
-                <a:spcPct val="20000"/>
-              </a:spcBef>
-            </a:pPr>
-            <a:r>
-              <a:rPr lang="en-US" sz="1167" b="1" dirty="0">
-                <a:solidFill>
-                  <a:srgbClr val="FF0000"/>
-                </a:solidFill>
-                <a:latin typeface="Helvetica" charset="0"/>
-              </a:rPr>
-              <a:t>Starting with TWO well defined (thus coherent) waves with THE SAME intensity:</a:t>
-            </a:r>
-            <a:r>
-              <a:rPr lang="en-US" sz="1167" b="1" dirty="0">
-                <a:solidFill>
-                  <a:srgbClr val="008000"/>
-                </a:solidFill>
-                <a:latin typeface="Helvetica" charset="0"/>
-              </a:rPr>
-              <a:t> </a:t>
-            </a:r>
-          </a:p>
-          <a:p>
-            <a:pPr>
-              <a:spcBef>
-                <a:spcPct val="20000"/>
-              </a:spcBef>
-            </a:pPr>
-            <a:endParaRPr lang="en-US" sz="1167" b="1" dirty="0">
-              <a:solidFill>
-                <a:srgbClr val="008000"/>
-              </a:solidFill>
-              <a:latin typeface="Helvetica" charset="0"/>
-            </a:endParaRPr>
-          </a:p>
-          <a:p>
-            <a:pPr>
-              <a:spcBef>
-                <a:spcPct val="20000"/>
-              </a:spcBef>
-            </a:pPr>
-            <a:r>
-              <a:rPr lang="en-US" sz="1667" b="1" dirty="0">
-                <a:solidFill>
-                  <a:srgbClr val="008000"/>
-                </a:solidFill>
-                <a:latin typeface="Helvetica" pitchFamily="34" charset="0"/>
-                <a:cs typeface="Helvetica" pitchFamily="34" charset="0"/>
-              </a:rPr>
-              <a:t>LONGITUDINAL (TEMPORAL) COHERENCE LENGTH L</a:t>
-            </a:r>
-            <a:r>
-              <a:rPr lang="en-US" sz="1667" b="1" baseline="-25000" dirty="0">
-                <a:solidFill>
-                  <a:srgbClr val="008000"/>
-                </a:solidFill>
-                <a:latin typeface="Helvetica" pitchFamily="34" charset="0"/>
-                <a:cs typeface="Helvetica" pitchFamily="34" charset="0"/>
-              </a:rPr>
-              <a:t>L</a:t>
-            </a:r>
-          </a:p>
-          <a:p>
-            <a:pPr>
-              <a:spcBef>
-                <a:spcPct val="20000"/>
-              </a:spcBef>
-            </a:pPr>
-            <a:r>
-              <a:rPr lang="en-US" sz="1333" b="1" dirty="0">
-                <a:solidFill>
-                  <a:srgbClr val="008000"/>
-                </a:solidFill>
-                <a:latin typeface="Helvetica" pitchFamily="34" charset="0"/>
-                <a:cs typeface="Helvetica" pitchFamily="34" charset="0"/>
-              </a:rPr>
-              <a:t>Distance over which two waves from the same source point with slightly different wavelengths will completely </a:t>
-            </a:r>
-            <a:r>
-              <a:rPr lang="en-US" sz="1333" b="1" dirty="0" err="1">
-                <a:solidFill>
-                  <a:srgbClr val="008000"/>
-                </a:solidFill>
-                <a:latin typeface="Helvetica" pitchFamily="34" charset="0"/>
-                <a:cs typeface="Helvetica" pitchFamily="34" charset="0"/>
-              </a:rPr>
-              <a:t>dephase</a:t>
-            </a:r>
-            <a:r>
-              <a:rPr lang="en-US" sz="1333" b="1" dirty="0">
-                <a:solidFill>
-                  <a:srgbClr val="008000"/>
-                </a:solidFill>
-                <a:latin typeface="Helvetica" pitchFamily="34" charset="0"/>
-                <a:cs typeface="Helvetica" pitchFamily="34" charset="0"/>
-              </a:rPr>
-              <a:t>.</a:t>
-            </a:r>
-            <a:endParaRPr lang="en-US" sz="1167" b="1" dirty="0">
-              <a:solidFill>
-                <a:srgbClr val="008000"/>
-              </a:solidFill>
-              <a:latin typeface="Helvetica" pitchFamily="34" charset="0"/>
-              <a:cs typeface="Helvetica" pitchFamily="34" charset="0"/>
-            </a:endParaRPr>
-          </a:p>
-          <a:p>
-            <a:pPr>
-              <a:spcBef>
-                <a:spcPct val="20000"/>
-              </a:spcBef>
-            </a:pPr>
-            <a:endParaRPr lang="en-US" sz="1167" b="1" dirty="0">
-              <a:solidFill>
-                <a:srgbClr val="008000"/>
-              </a:solidFill>
-              <a:latin typeface="Helvetica" pitchFamily="34" charset="0"/>
-              <a:cs typeface="Helvetica" pitchFamily="34" charset="0"/>
-            </a:endParaRPr>
-          </a:p>
-          <a:p>
-            <a:pPr>
-              <a:spcBef>
-                <a:spcPct val="20000"/>
-              </a:spcBef>
-            </a:pPr>
-            <a:endParaRPr lang="en-US" sz="1167" b="1" dirty="0">
-              <a:solidFill>
-                <a:srgbClr val="008000"/>
-              </a:solidFill>
-              <a:latin typeface="Helvetica" pitchFamily="34" charset="0"/>
-              <a:cs typeface="Helvetica" pitchFamily="34" charset="0"/>
-            </a:endParaRPr>
-          </a:p>
-          <a:p>
-            <a:pPr>
-              <a:spcBef>
-                <a:spcPct val="20000"/>
-              </a:spcBef>
-            </a:pPr>
-            <a:endParaRPr lang="en-US" sz="1167" b="1" dirty="0">
-              <a:solidFill>
-                <a:srgbClr val="008000"/>
-              </a:solidFill>
-              <a:latin typeface="Helvetica" pitchFamily="34" charset="0"/>
-              <a:cs typeface="Helvetica" pitchFamily="34" charset="0"/>
-            </a:endParaRPr>
-          </a:p>
-          <a:p>
-            <a:pPr>
-              <a:spcBef>
-                <a:spcPct val="20000"/>
-              </a:spcBef>
-            </a:pPr>
-            <a:endParaRPr lang="en-US" sz="1167" b="1" dirty="0">
-              <a:solidFill>
-                <a:srgbClr val="008000"/>
-              </a:solidFill>
-              <a:latin typeface="Helvetica" pitchFamily="34" charset="0"/>
-              <a:cs typeface="Helvetica" pitchFamily="34" charset="0"/>
-            </a:endParaRPr>
-          </a:p>
-          <a:p>
-            <a:pPr>
-              <a:spcBef>
-                <a:spcPct val="20000"/>
-              </a:spcBef>
-            </a:pPr>
-            <a:endParaRPr lang="en-US" sz="1167" b="1" dirty="0">
-              <a:solidFill>
-                <a:srgbClr val="008000"/>
-              </a:solidFill>
-              <a:latin typeface="Helvetica" pitchFamily="34" charset="0"/>
-              <a:cs typeface="Helvetica" pitchFamily="34" charset="0"/>
-            </a:endParaRPr>
-          </a:p>
-          <a:p>
-            <a:pPr>
-              <a:spcBef>
-                <a:spcPct val="20000"/>
-              </a:spcBef>
-            </a:pPr>
-            <a:br>
-              <a:rPr lang="en-US" sz="1000" b="1" dirty="0">
-                <a:solidFill>
-                  <a:srgbClr val="008000"/>
-                </a:solidFill>
-                <a:latin typeface="Helvetica" charset="0"/>
-              </a:rPr>
-            </a:br>
-            <a:r>
-              <a:rPr lang="en-US" sz="1667" b="1" dirty="0">
-                <a:solidFill>
-                  <a:srgbClr val="0070C0"/>
-                </a:solidFill>
-                <a:latin typeface="Helvetica" charset="0"/>
-              </a:rPr>
-              <a:t>TRANSVERSE COHERENCE LENGTH L</a:t>
-            </a:r>
-            <a:r>
-              <a:rPr lang="en-US" sz="1667" b="1" baseline="-25000" dirty="0">
-                <a:solidFill>
-                  <a:srgbClr val="0070C0"/>
-                </a:solidFill>
-                <a:latin typeface="Helvetica" charset="0"/>
-              </a:rPr>
-              <a:t>T</a:t>
-            </a:r>
-            <a:endParaRPr lang="en-US" sz="1667" b="1" dirty="0">
-              <a:solidFill>
-                <a:srgbClr val="0070C0"/>
-              </a:solidFill>
-              <a:latin typeface="Helvetica" charset="0"/>
-            </a:endParaRPr>
-          </a:p>
-          <a:p>
-            <a:pPr>
-              <a:spcBef>
-                <a:spcPct val="20000"/>
-              </a:spcBef>
-            </a:pPr>
-            <a:r>
-              <a:rPr lang="en-US" sz="1333" b="1" dirty="0">
-                <a:solidFill>
-                  <a:srgbClr val="0070C0"/>
-                </a:solidFill>
-                <a:latin typeface="Helvetica" charset="0"/>
-              </a:rPr>
-              <a:t>The lateral distance along a </a:t>
-            </a:r>
-            <a:r>
-              <a:rPr lang="en-US" sz="1333" b="1" dirty="0" err="1">
-                <a:solidFill>
-                  <a:srgbClr val="0070C0"/>
-                </a:solidFill>
-                <a:latin typeface="Helvetica" charset="0"/>
-              </a:rPr>
-              <a:t>wavefront</a:t>
-            </a:r>
-            <a:r>
-              <a:rPr lang="en-US" sz="1333" b="1" dirty="0">
-                <a:solidFill>
-                  <a:srgbClr val="0070C0"/>
-                </a:solidFill>
-                <a:latin typeface="Helvetica" charset="0"/>
-              </a:rPr>
-              <a:t> over which there is a complete </a:t>
-            </a:r>
-            <a:r>
-              <a:rPr lang="en-US" sz="1333" b="1" dirty="0" err="1">
-                <a:solidFill>
-                  <a:srgbClr val="0070C0"/>
-                </a:solidFill>
-                <a:latin typeface="Helvetica" charset="0"/>
-              </a:rPr>
-              <a:t>dephasing</a:t>
-            </a:r>
-            <a:r>
-              <a:rPr lang="en-US" sz="1333" b="1" dirty="0">
-                <a:solidFill>
-                  <a:srgbClr val="0070C0"/>
-                </a:solidFill>
-                <a:latin typeface="Helvetica" charset="0"/>
-              </a:rPr>
-              <a:t> between two waves of the same wavelength, which originate from two separate points in space</a:t>
-            </a:r>
-          </a:p>
-        </p:txBody>
-      </p:sp>
       <p:pic>
         <p:nvPicPr>
-          <p:cNvPr id="17" name="Picture 3">
-            <a:extLst>
-              <a:ext uri="{FF2B5EF4-FFF2-40B4-BE49-F238E27FC236}">
-                <a16:creationId xmlns:a16="http://schemas.microsoft.com/office/drawing/2014/main" id="{20EDBAF8-0502-4741-A8EA-B47E70DA892D}"/>
+          <p:cNvPr id="15" name="Picture 2" descr="http://www.chs.d211.org/science/kulakmp/HWAnswers/13%20LightDifInterf/6%20-%20conglom%20%20homework%20ans_files/image056.gif">
+            <a:extLst>
+              <a:ext uri="{FF2B5EF4-FFF2-40B4-BE49-F238E27FC236}">
+                <a16:creationId xmlns:a16="http://schemas.microsoft.com/office/drawing/2014/main" id="{E7C3DBF9-070D-42CD-8354-384967957601}"/>
               </a:ext>
             </a:extLst>
           </p:cNvPr>
@@ -2890,27 +2333,21 @@
         </p:blipFill>
         <p:spPr bwMode="auto">
           <a:xfrm>
-            <a:off x="6286500" y="1023571"/>
-            <a:ext cx="2286000" cy="2081623"/>
+            <a:off x="635000" y="1841500"/>
+            <a:ext cx="3946906" cy="2603500"/>
           </a:xfrm>
           <a:prstGeom prst="rect">
             <a:avLst/>
           </a:prstGeom>
           <a:noFill/>
-          <a:ln w="9525">
-            <a:noFill/>
-            <a:miter lim="800000"/>
-            <a:headEnd/>
-            <a:tailEnd/>
-          </a:ln>
         </p:spPr>
       </p:pic>
       <p:pic>
         <p:nvPicPr>
-          <p:cNvPr id="20" name="Picture 5">
-            <a:extLst>
-              <a:ext uri="{FF2B5EF4-FFF2-40B4-BE49-F238E27FC236}">
-                <a16:creationId xmlns:a16="http://schemas.microsoft.com/office/drawing/2014/main" id="{3BC48358-F23D-4FA7-B86B-6E4DF6FF0750}"/>
+          <p:cNvPr id="18" name="Picture 4" descr="Part a of the figure shows a slit in a vertical bar. To the right of the bar is a graph of intensity versus height. The graph is turned ninety degrees counterclockwise so that the intensity scale increases to the left and the height increases as you go up the page. Just in front of the gap, a strong central peak extends leftward from the graph’s baseline, and many smaller satellite peaks appear above and below this central peak. Part b of the figure shows a drawing of the two-dimensional intensity pattern that is observed from single slit diffraction. The central stripe is quite broad compared to the satellite stripes, and there are dark areas between all the stripes.">
+            <a:extLst>
+              <a:ext uri="{FF2B5EF4-FFF2-40B4-BE49-F238E27FC236}">
+                <a16:creationId xmlns:a16="http://schemas.microsoft.com/office/drawing/2014/main" id="{B434B3E0-7837-4CE8-99A1-12DCA668B510}"/>
               </a:ext>
             </a:extLst>
           </p:cNvPr>
@@ -2928,27 +2365,21 @@
         </p:blipFill>
         <p:spPr bwMode="auto">
           <a:xfrm>
-            <a:off x="5461001" y="3365500"/>
-            <a:ext cx="2919814" cy="1524000"/>
+            <a:off x="5653857" y="1651000"/>
+            <a:ext cx="2220143" cy="2476500"/>
           </a:xfrm>
           <a:prstGeom prst="rect">
             <a:avLst/>
           </a:prstGeom>
           <a:noFill/>
-          <a:ln w="9525">
-            <a:noFill/>
-            <a:miter lim="800000"/>
-            <a:headEnd/>
-            <a:tailEnd/>
-          </a:ln>
         </p:spPr>
       </p:pic>
       <p:pic>
         <p:nvPicPr>
-          <p:cNvPr id="25" name="Picture 6">
-            <a:extLst>
-              <a:ext uri="{FF2B5EF4-FFF2-40B4-BE49-F238E27FC236}">
-                <a16:creationId xmlns:a16="http://schemas.microsoft.com/office/drawing/2014/main" id="{CD60F8C0-981E-403B-8E55-7F5E908C1F4F}"/>
+          <p:cNvPr id="19" name="Picture 6" descr="Both parts of the figure show a schematic of a double slit experiment. Two waves, each of which is emitted from a different slit, propagate from the slits to the screen. In the first schematic, when the waves meet on the screen, one of the waves is at a maximum whereas the other is at a minimum. This schematic is labeled dark (destructive interference). In the second schematic, when the waves meet on the screen, both waves are at a minimum.. This schematic is labeled bright (constructive interference).">
+            <a:extLst>
+              <a:ext uri="{FF2B5EF4-FFF2-40B4-BE49-F238E27FC236}">
+                <a16:creationId xmlns:a16="http://schemas.microsoft.com/office/drawing/2014/main" id="{8E925B7A-062F-42E5-8B08-63E368B6B896}"/>
               </a:ext>
             </a:extLst>
           </p:cNvPr>
@@ -2966,67 +2397,21 @@
         </p:blipFill>
         <p:spPr bwMode="auto">
           <a:xfrm>
-            <a:off x="2550583" y="4691108"/>
-            <a:ext cx="3259667" cy="977900"/>
+            <a:off x="1841500" y="4127500"/>
+            <a:ext cx="1778000" cy="1089153"/>
           </a:xfrm>
           <a:prstGeom prst="rect">
             <a:avLst/>
           </a:prstGeom>
           <a:noFill/>
-          <a:ln w="9525">
-            <a:noFill/>
-            <a:miter lim="800000"/>
-            <a:headEnd/>
-            <a:tailEnd/>
-          </a:ln>
         </p:spPr>
       </p:pic>
-      <p:sp>
-        <p:nvSpPr>
-          <p:cNvPr id="26" name="TextBox 25">
-            <a:extLst>
-              <a:ext uri="{FF2B5EF4-FFF2-40B4-BE49-F238E27FC236}">
-                <a16:creationId xmlns:a16="http://schemas.microsoft.com/office/drawing/2014/main" id="{580B3721-0EAB-4FDC-AD81-48F3279537F6}"/>
-              </a:ext>
-            </a:extLst>
-          </p:cNvPr>
-          <p:cNvSpPr txBox="1"/>
-          <p:nvPr/>
-        </p:nvSpPr>
-        <p:spPr>
-          <a:xfrm>
-            <a:off x="5619750" y="669342"/>
-            <a:ext cx="7048500" cy="451342"/>
-          </a:xfrm>
-          <a:prstGeom prst="rect">
-            <a:avLst/>
-          </a:prstGeom>
-          <a:noFill/>
-        </p:spPr>
-        <p:txBody>
-          <a:bodyPr wrap="square" rtlCol="0">
-            <a:spAutoFit/>
-          </a:bodyPr>
-          <a:lstStyle/>
-          <a:p>
-            <a:r>
-              <a:rPr lang="en-US" sz="1333" dirty="0"/>
-              <a:t>COHERENT LENGTHS - TWO WAVES                                 </a:t>
-            </a:r>
-            <a:r>
-              <a:rPr lang="en-US" sz="1000" dirty="0"/>
-              <a:t>http://www.csrri.iit.edu/~segre/phys570/10F/lecture_04.pdf</a:t>
-            </a:r>
-            <a:endParaRPr lang="en-US" sz="1333" dirty="0"/>
-          </a:p>
-        </p:txBody>
-      </p:sp>
       <p:pic>
         <p:nvPicPr>
-          <p:cNvPr id="27" name="Picture 2">
-            <a:extLst>
-              <a:ext uri="{FF2B5EF4-FFF2-40B4-BE49-F238E27FC236}">
-                <a16:creationId xmlns:a16="http://schemas.microsoft.com/office/drawing/2014/main" id="{6A703D3A-3A72-4E83-A3D4-8A1771AA4694}"/>
+          <p:cNvPr id="21" name="Picture 8" descr="http://cnx.org/resources/6c9b32e6a6df56d4b3a1755583beca00/Figure_28_05_03a.jpg">
+            <a:extLst>
+              <a:ext uri="{FF2B5EF4-FFF2-40B4-BE49-F238E27FC236}">
+                <a16:creationId xmlns:a16="http://schemas.microsoft.com/office/drawing/2014/main" id="{6E3BB5B1-CF92-43B5-A140-5CC388DB3FA3}"/>
               </a:ext>
             </a:extLst>
           </p:cNvPr>
@@ -3044,46 +2429,40 @@
         </p:blipFill>
         <p:spPr bwMode="auto">
           <a:xfrm>
-            <a:off x="889001" y="2671564"/>
-            <a:ext cx="5327314" cy="762000"/>
+            <a:off x="6096000" y="4127500"/>
+            <a:ext cx="1714500" cy="1303020"/>
           </a:xfrm>
           <a:prstGeom prst="rect">
             <a:avLst/>
           </a:prstGeom>
           <a:noFill/>
-          <a:ln w="9525">
+        </p:spPr>
+      </p:pic>
+      <p:sp>
+        <p:nvSpPr>
+          <p:cNvPr id="22" name="Rectangle 21">
+            <a:extLst>
+              <a:ext uri="{FF2B5EF4-FFF2-40B4-BE49-F238E27FC236}">
+                <a16:creationId xmlns:a16="http://schemas.microsoft.com/office/drawing/2014/main" id="{9659CA31-3DD9-4093-BE32-2245845A459D}"/>
+              </a:ext>
+            </a:extLst>
+          </p:cNvPr>
+          <p:cNvSpPr/>
+          <p:nvPr/>
+        </p:nvSpPr>
+        <p:spPr>
+          <a:xfrm>
+            <a:off x="762000" y="2032000"/>
+            <a:ext cx="1079500" cy="1778000"/>
+          </a:xfrm>
+          <a:prstGeom prst="rect">
+            <a:avLst/>
+          </a:prstGeom>
+          <a:solidFill>
+            <a:schemeClr val="bg1"/>
+          </a:solidFill>
+          <a:ln>
             <a:noFill/>
-            <a:miter lim="800000"/>
-            <a:headEnd/>
-            <a:tailEnd/>
-          </a:ln>
-        </p:spPr>
-      </p:pic>
-      <p:sp>
-        <p:nvSpPr>
-          <p:cNvPr id="28" name="Rectangle 27">
-            <a:extLst>
-              <a:ext uri="{FF2B5EF4-FFF2-40B4-BE49-F238E27FC236}">
-                <a16:creationId xmlns:a16="http://schemas.microsoft.com/office/drawing/2014/main" id="{753FED5A-52FB-4B4F-9EAF-D2F13F95DC0A}"/>
-              </a:ext>
-            </a:extLst>
-          </p:cNvPr>
-          <p:cNvSpPr/>
-          <p:nvPr/>
-        </p:nvSpPr>
-        <p:spPr>
-          <a:xfrm>
-            <a:off x="5334000" y="2951005"/>
-            <a:ext cx="952500" cy="554567"/>
-          </a:xfrm>
-          <a:prstGeom prst="rect">
-            <a:avLst/>
-          </a:prstGeom>
-          <a:noFill/>
-          <a:ln>
-            <a:solidFill>
-              <a:srgbClr val="FF0000"/>
-            </a:solidFill>
           </a:ln>
         </p:spPr>
         <p:style>
@@ -3111,152 +2490,154 @@
           </a:p>
         </p:txBody>
       </p:sp>
-      <p:sp>
-        <p:nvSpPr>
-          <p:cNvPr id="29" name="Rectangle 28">
-            <a:extLst>
-              <a:ext uri="{FF2B5EF4-FFF2-40B4-BE49-F238E27FC236}">
-                <a16:creationId xmlns:a16="http://schemas.microsoft.com/office/drawing/2014/main" id="{4497B984-7AF8-4DFB-9D1B-1C14983ED783}"/>
-              </a:ext>
-            </a:extLst>
-          </p:cNvPr>
-          <p:cNvSpPr/>
-          <p:nvPr/>
-        </p:nvSpPr>
+      <p:cxnSp>
+        <p:nvCxnSpPr>
+          <p:cNvPr id="23" name="Elbow Connector 8">
+            <a:extLst>
+              <a:ext uri="{FF2B5EF4-FFF2-40B4-BE49-F238E27FC236}">
+                <a16:creationId xmlns:a16="http://schemas.microsoft.com/office/drawing/2014/main" id="{6D0D6DF9-691A-4AE9-B713-21126293120E}"/>
+              </a:ext>
+            </a:extLst>
+          </p:cNvPr>
+          <p:cNvCxnSpPr/>
+          <p:nvPr/>
+        </p:nvCxnSpPr>
         <p:spPr>
-          <a:xfrm>
-            <a:off x="3660332" y="5180541"/>
-            <a:ext cx="952500" cy="444500"/>
-          </a:xfrm>
-          <a:prstGeom prst="rect">
-            <a:avLst/>
-          </a:prstGeom>
-          <a:noFill/>
+          <a:xfrm flipV="1">
+            <a:off x="3175000" y="3873500"/>
+            <a:ext cx="762000" cy="190500"/>
+          </a:xfrm>
+          <a:prstGeom prst="bentConnector3">
+            <a:avLst>
+              <a:gd name="adj1" fmla="val 1111"/>
+            </a:avLst>
+          </a:prstGeom>
           <a:ln>
-            <a:solidFill>
-              <a:srgbClr val="FF0000"/>
-            </a:solidFill>
+            <a:tailEnd type="arrow"/>
           </a:ln>
         </p:spPr>
         <p:style>
-          <a:lnRef idx="2">
-            <a:schemeClr val="accent1">
-              <a:shade val="50000"/>
-            </a:schemeClr>
+          <a:lnRef idx="1">
+            <a:schemeClr val="accent1"/>
           </a:lnRef>
-          <a:fillRef idx="1">
+          <a:fillRef idx="0">
             <a:schemeClr val="accent1"/>
           </a:fillRef>
           <a:effectRef idx="0">
             <a:schemeClr val="accent1"/>
           </a:effectRef>
           <a:fontRef idx="minor">
-            <a:schemeClr val="lt1"/>
+            <a:schemeClr val="tx1"/>
           </a:fontRef>
         </p:style>
-        <p:txBody>
-          <a:bodyPr rtlCol="0" anchor="ctr"/>
-          <a:lstStyle/>
-          <a:p>
-            <a:pPr algn="ctr"/>
-            <a:endParaRPr lang="en-US" sz="1500"/>
-          </a:p>
-        </p:txBody>
-      </p:sp>
-      <p:sp>
-        <p:nvSpPr>
-          <p:cNvPr id="30" name="Rectangle 29">
-            <a:extLst>
-              <a:ext uri="{FF2B5EF4-FFF2-40B4-BE49-F238E27FC236}">
-                <a16:creationId xmlns:a16="http://schemas.microsoft.com/office/drawing/2014/main" id="{842CE804-E645-4A7D-BF0D-59B413A6B2F0}"/>
-              </a:ext>
-            </a:extLst>
-          </p:cNvPr>
-          <p:cNvSpPr/>
-          <p:nvPr/>
-        </p:nvSpPr>
+      </p:cxnSp>
+      <p:cxnSp>
+        <p:nvCxnSpPr>
+          <p:cNvPr id="24" name="Elbow Connector 12">
+            <a:extLst>
+              <a:ext uri="{FF2B5EF4-FFF2-40B4-BE49-F238E27FC236}">
+                <a16:creationId xmlns:a16="http://schemas.microsoft.com/office/drawing/2014/main" id="{458EA7CD-EEA5-44B0-BA80-E965077E872F}"/>
+              </a:ext>
+            </a:extLst>
+          </p:cNvPr>
+          <p:cNvCxnSpPr/>
+          <p:nvPr/>
+        </p:nvCxnSpPr>
         <p:spPr>
-          <a:xfrm>
-            <a:off x="2476500" y="2540000"/>
-            <a:ext cx="2413000" cy="317500"/>
-          </a:xfrm>
-          <a:prstGeom prst="rect">
-            <a:avLst/>
-          </a:prstGeom>
-          <a:solidFill>
-            <a:schemeClr val="bg1"/>
-          </a:solidFill>
+          <a:xfrm flipV="1">
+            <a:off x="2286000" y="3683000"/>
+            <a:ext cx="1778000" cy="381000"/>
+          </a:xfrm>
+          <a:prstGeom prst="bentConnector3">
+            <a:avLst>
+              <a:gd name="adj1" fmla="val -476"/>
+            </a:avLst>
+          </a:prstGeom>
           <a:ln>
-            <a:noFill/>
+            <a:tailEnd type="arrow"/>
           </a:ln>
         </p:spPr>
         <p:style>
-          <a:lnRef idx="2">
-            <a:schemeClr val="accent1">
-              <a:shade val="50000"/>
-            </a:schemeClr>
+          <a:lnRef idx="1">
+            <a:schemeClr val="accent1"/>
           </a:lnRef>
-          <a:fillRef idx="1">
+          <a:fillRef idx="0">
             <a:schemeClr val="accent1"/>
           </a:fillRef>
           <a:effectRef idx="0">
             <a:schemeClr val="accent1"/>
           </a:effectRef>
           <a:fontRef idx="minor">
-            <a:schemeClr val="lt1"/>
+            <a:schemeClr val="tx1"/>
           </a:fontRef>
         </p:style>
-        <p:txBody>
-          <a:bodyPr rtlCol="0" anchor="ctr"/>
-          <a:lstStyle/>
-          <a:p>
-            <a:pPr algn="ctr"/>
-            <a:endParaRPr lang="en-US" sz="1500"/>
-          </a:p>
-        </p:txBody>
-      </p:sp>
-      <p:pic>
-        <p:nvPicPr>
-          <p:cNvPr id="31" name="Picture 1">
-            <a:extLst>
-              <a:ext uri="{FF2B5EF4-FFF2-40B4-BE49-F238E27FC236}">
-                <a16:creationId xmlns:a16="http://schemas.microsoft.com/office/drawing/2014/main" id="{D19353D8-F1A5-4603-87B0-7FA8BF466788}"/>
-              </a:ext>
-            </a:extLst>
-          </p:cNvPr>
-          <p:cNvPicPr>
-            <a:picLocks noChangeAspect="1" noChangeArrowheads="1"/>
-          </p:cNvPicPr>
-          <p:nvPr/>
-        </p:nvPicPr>
-        <p:blipFill>
-          <a:blip r:embed="rId6" cstate="print"/>
-          <a:srcRect/>
-          <a:stretch>
-            <a:fillRect/>
-          </a:stretch>
-        </p:blipFill>
-        <p:spPr bwMode="auto">
-          <a:xfrm>
-            <a:off x="2680072" y="2209428"/>
-            <a:ext cx="2540000" cy="712519"/>
+      </p:cxnSp>
+      <p:sp>
+        <p:nvSpPr>
+          <p:cNvPr id="32" name="TextBox 31">
+            <a:extLst>
+              <a:ext uri="{FF2B5EF4-FFF2-40B4-BE49-F238E27FC236}">
+                <a16:creationId xmlns:a16="http://schemas.microsoft.com/office/drawing/2014/main" id="{423C5C44-D4BF-4546-AAC9-357BDBA6A8F7}"/>
+              </a:ext>
+            </a:extLst>
+          </p:cNvPr>
+          <p:cNvSpPr txBox="1"/>
+          <p:nvPr/>
+        </p:nvSpPr>
+        <p:spPr>
+          <a:xfrm>
+            <a:off x="654959" y="703359"/>
+            <a:ext cx="7620000" cy="810350"/>
           </a:xfrm>
           <a:prstGeom prst="rect">
             <a:avLst/>
           </a:prstGeom>
           <a:noFill/>
-          <a:ln w="9525">
-            <a:noFill/>
-            <a:miter lim="800000"/>
-            <a:headEnd/>
-            <a:tailEnd/>
-          </a:ln>
-        </p:spPr>
-      </p:pic>
+        </p:spPr>
+        <p:txBody>
+          <a:bodyPr wrap="square" rtlCol="0">
+            <a:spAutoFit/>
+          </a:bodyPr>
+          <a:lstStyle/>
+          <a:p>
+            <a:endParaRPr lang="en-US" sz="1333" dirty="0"/>
+          </a:p>
+          <a:p>
+            <a:endParaRPr lang="en-US" sz="1333" dirty="0"/>
+          </a:p>
+          <a:p>
+            <a:r>
+              <a:rPr lang="en-US" sz="1333" dirty="0"/>
+              <a:t>	</a:t>
+            </a:r>
+            <a:r>
+              <a:rPr lang="en-US" sz="2000" b="1" dirty="0">
+                <a:solidFill>
+                  <a:srgbClr val="FF0000"/>
+                </a:solidFill>
+              </a:rPr>
+              <a:t>	</a:t>
+            </a:r>
+            <a:r>
+              <a:rPr lang="en-US" sz="2000" b="1" dirty="0">
+                <a:solidFill>
+                  <a:srgbClr val="0000FF"/>
+                </a:solidFill>
+              </a:rPr>
+              <a:t>INTERFERENCE		DIFFRACTION  </a:t>
+            </a:r>
+            <a:endParaRPr lang="en-US" sz="1333" b="1" dirty="0">
+              <a:solidFill>
+                <a:srgbClr val="0000FF"/>
+              </a:solidFill>
+            </a:endParaRPr>
+          </a:p>
+        </p:txBody>
+      </p:sp>
     </p:spTree>
     <p:extLst>
       <p:ext uri="{BB962C8B-B14F-4D97-AF65-F5344CB8AC3E}">
-        <p14:creationId xmlns:p14="http://schemas.microsoft.com/office/powerpoint/2010/main" val="3767182191"/>
+        <p14:creationId xmlns:p14="http://schemas.microsoft.com/office/powerpoint/2010/main" val="2142326328"/>
       </p:ext>
     </p:extLst>
   </p:cSld>
@@ -3299,10 +2680,10 @@
           <a:lstStyle/>
           <a:p>
             <a:r>
-              <a:rPr lang="en-US" sz="1800" dirty="0"/>
-              <a:t>LONGITUDINAL COHERENCE for a typical synchrotron</a:t>
-            </a:r>
-            <a:endParaRPr lang="en-GB" sz="1800" cap="none" dirty="0"/>
+              <a:rPr lang="en-US" sz="2400" cap="none" dirty="0"/>
+              <a:t>Coherence – Longitudinal and transversal</a:t>
+            </a:r>
+            <a:endParaRPr lang="en-GB" sz="2400" cap="none" dirty="0"/>
           </a:p>
         </p:txBody>
       </p:sp>
@@ -3359,10 +2740,507 @@
       </p:sp>
       <p:sp>
         <p:nvSpPr>
-          <p:cNvPr id="22" name="Rectangle 21">
-            <a:extLst>
-              <a:ext uri="{FF2B5EF4-FFF2-40B4-BE49-F238E27FC236}">
-                <a16:creationId xmlns:a16="http://schemas.microsoft.com/office/drawing/2014/main" id="{9659CA31-3DD9-4093-BE32-2245845A459D}"/>
+          <p:cNvPr id="16" name="Rectangle 27">
+            <a:extLst>
+              <a:ext uri="{FF2B5EF4-FFF2-40B4-BE49-F238E27FC236}">
+                <a16:creationId xmlns:a16="http://schemas.microsoft.com/office/drawing/2014/main" id="{8D6A3A4A-9FBD-4F82-BC84-1EF743251050}"/>
+              </a:ext>
+            </a:extLst>
+          </p:cNvPr>
+          <p:cNvSpPr>
+            <a:spLocks noChangeArrowheads="1"/>
+          </p:cNvSpPr>
+          <p:nvPr/>
+        </p:nvSpPr>
+        <p:spPr bwMode="auto">
+          <a:xfrm>
+            <a:off x="889001" y="565336"/>
+            <a:ext cx="4635500" cy="4635500"/>
+          </a:xfrm>
+          <a:prstGeom prst="rect">
+            <a:avLst/>
+          </a:prstGeom>
+          <a:noFill/>
+          <a:ln w="9525">
+            <a:noFill/>
+            <a:miter lim="800000"/>
+            <a:headEnd/>
+            <a:tailEnd/>
+          </a:ln>
+        </p:spPr>
+        <p:txBody>
+          <a:bodyPr/>
+          <a:lstStyle/>
+          <a:p>
+            <a:pPr>
+              <a:spcBef>
+                <a:spcPct val="20000"/>
+              </a:spcBef>
+            </a:pPr>
+            <a:r>
+              <a:rPr lang="en-US" sz="1167" b="1" dirty="0">
+                <a:solidFill>
+                  <a:srgbClr val="FF0000"/>
+                </a:solidFill>
+                <a:latin typeface="Helvetica" charset="0"/>
+              </a:rPr>
+              <a:t>Starting with TWO well defined (thus coherent) waves with THE SAME intensity:</a:t>
+            </a:r>
+            <a:r>
+              <a:rPr lang="en-US" sz="1167" b="1" dirty="0">
+                <a:solidFill>
+                  <a:srgbClr val="008000"/>
+                </a:solidFill>
+                <a:latin typeface="Helvetica" charset="0"/>
+              </a:rPr>
+              <a:t> </a:t>
+            </a:r>
+          </a:p>
+          <a:p>
+            <a:pPr>
+              <a:spcBef>
+                <a:spcPct val="20000"/>
+              </a:spcBef>
+            </a:pPr>
+            <a:endParaRPr lang="en-US" sz="1167" b="1" dirty="0">
+              <a:solidFill>
+                <a:srgbClr val="008000"/>
+              </a:solidFill>
+              <a:latin typeface="Helvetica" charset="0"/>
+            </a:endParaRPr>
+          </a:p>
+          <a:p>
+            <a:pPr>
+              <a:spcBef>
+                <a:spcPct val="20000"/>
+              </a:spcBef>
+            </a:pPr>
+            <a:r>
+              <a:rPr lang="en-US" sz="1667" b="1" dirty="0">
+                <a:solidFill>
+                  <a:srgbClr val="008000"/>
+                </a:solidFill>
+                <a:latin typeface="Helvetica" pitchFamily="34" charset="0"/>
+                <a:cs typeface="Helvetica" pitchFamily="34" charset="0"/>
+              </a:rPr>
+              <a:t>LONGITUDINAL (TEMPORAL) COHERENCE LENGTH L</a:t>
+            </a:r>
+            <a:r>
+              <a:rPr lang="en-US" sz="1667" b="1" baseline="-25000" dirty="0">
+                <a:solidFill>
+                  <a:srgbClr val="008000"/>
+                </a:solidFill>
+                <a:latin typeface="Helvetica" pitchFamily="34" charset="0"/>
+                <a:cs typeface="Helvetica" pitchFamily="34" charset="0"/>
+              </a:rPr>
+              <a:t>L</a:t>
+            </a:r>
+          </a:p>
+          <a:p>
+            <a:pPr>
+              <a:spcBef>
+                <a:spcPct val="20000"/>
+              </a:spcBef>
+            </a:pPr>
+            <a:r>
+              <a:rPr lang="en-US" sz="1333" b="1" dirty="0">
+                <a:solidFill>
+                  <a:srgbClr val="008000"/>
+                </a:solidFill>
+                <a:latin typeface="Helvetica" pitchFamily="34" charset="0"/>
+                <a:cs typeface="Helvetica" pitchFamily="34" charset="0"/>
+              </a:rPr>
+              <a:t>Distance over which two waves from the same source point with slightly different wavelengths will completely </a:t>
+            </a:r>
+            <a:r>
+              <a:rPr lang="en-US" sz="1333" b="1" dirty="0" err="1">
+                <a:solidFill>
+                  <a:srgbClr val="008000"/>
+                </a:solidFill>
+                <a:latin typeface="Helvetica" pitchFamily="34" charset="0"/>
+                <a:cs typeface="Helvetica" pitchFamily="34" charset="0"/>
+              </a:rPr>
+              <a:t>dephase</a:t>
+            </a:r>
+            <a:r>
+              <a:rPr lang="en-US" sz="1333" b="1" dirty="0">
+                <a:solidFill>
+                  <a:srgbClr val="008000"/>
+                </a:solidFill>
+                <a:latin typeface="Helvetica" pitchFamily="34" charset="0"/>
+                <a:cs typeface="Helvetica" pitchFamily="34" charset="0"/>
+              </a:rPr>
+              <a:t>.</a:t>
+            </a:r>
+            <a:endParaRPr lang="en-US" sz="1167" b="1" dirty="0">
+              <a:solidFill>
+                <a:srgbClr val="008000"/>
+              </a:solidFill>
+              <a:latin typeface="Helvetica" pitchFamily="34" charset="0"/>
+              <a:cs typeface="Helvetica" pitchFamily="34" charset="0"/>
+            </a:endParaRPr>
+          </a:p>
+          <a:p>
+            <a:pPr>
+              <a:spcBef>
+                <a:spcPct val="20000"/>
+              </a:spcBef>
+            </a:pPr>
+            <a:endParaRPr lang="en-US" sz="1167" b="1" dirty="0">
+              <a:solidFill>
+                <a:srgbClr val="008000"/>
+              </a:solidFill>
+              <a:latin typeface="Helvetica" pitchFamily="34" charset="0"/>
+              <a:cs typeface="Helvetica" pitchFamily="34" charset="0"/>
+            </a:endParaRPr>
+          </a:p>
+          <a:p>
+            <a:pPr>
+              <a:spcBef>
+                <a:spcPct val="20000"/>
+              </a:spcBef>
+            </a:pPr>
+            <a:endParaRPr lang="en-US" sz="1167" b="1" dirty="0">
+              <a:solidFill>
+                <a:srgbClr val="008000"/>
+              </a:solidFill>
+              <a:latin typeface="Helvetica" pitchFamily="34" charset="0"/>
+              <a:cs typeface="Helvetica" pitchFamily="34" charset="0"/>
+            </a:endParaRPr>
+          </a:p>
+          <a:p>
+            <a:pPr>
+              <a:spcBef>
+                <a:spcPct val="20000"/>
+              </a:spcBef>
+            </a:pPr>
+            <a:endParaRPr lang="en-US" sz="1167" b="1" dirty="0">
+              <a:solidFill>
+                <a:srgbClr val="008000"/>
+              </a:solidFill>
+              <a:latin typeface="Helvetica" pitchFamily="34" charset="0"/>
+              <a:cs typeface="Helvetica" pitchFamily="34" charset="0"/>
+            </a:endParaRPr>
+          </a:p>
+          <a:p>
+            <a:pPr>
+              <a:spcBef>
+                <a:spcPct val="20000"/>
+              </a:spcBef>
+            </a:pPr>
+            <a:endParaRPr lang="en-US" sz="1167" b="1" dirty="0">
+              <a:solidFill>
+                <a:srgbClr val="008000"/>
+              </a:solidFill>
+              <a:latin typeface="Helvetica" pitchFamily="34" charset="0"/>
+              <a:cs typeface="Helvetica" pitchFamily="34" charset="0"/>
+            </a:endParaRPr>
+          </a:p>
+          <a:p>
+            <a:pPr>
+              <a:spcBef>
+                <a:spcPct val="20000"/>
+              </a:spcBef>
+            </a:pPr>
+            <a:endParaRPr lang="en-US" sz="1167" b="1" dirty="0">
+              <a:solidFill>
+                <a:srgbClr val="008000"/>
+              </a:solidFill>
+              <a:latin typeface="Helvetica" pitchFamily="34" charset="0"/>
+              <a:cs typeface="Helvetica" pitchFamily="34" charset="0"/>
+            </a:endParaRPr>
+          </a:p>
+          <a:p>
+            <a:pPr>
+              <a:spcBef>
+                <a:spcPct val="20000"/>
+              </a:spcBef>
+            </a:pPr>
+            <a:br>
+              <a:rPr lang="en-US" sz="1000" b="1" dirty="0">
+                <a:solidFill>
+                  <a:srgbClr val="008000"/>
+                </a:solidFill>
+                <a:latin typeface="Helvetica" charset="0"/>
+              </a:rPr>
+            </a:br>
+            <a:r>
+              <a:rPr lang="en-US" sz="1667" b="1" dirty="0">
+                <a:solidFill>
+                  <a:srgbClr val="0070C0"/>
+                </a:solidFill>
+                <a:latin typeface="Helvetica" charset="0"/>
+              </a:rPr>
+              <a:t>TRANSVERSE COHERENCE LENGTH L</a:t>
+            </a:r>
+            <a:r>
+              <a:rPr lang="en-US" sz="1667" b="1" baseline="-25000" dirty="0">
+                <a:solidFill>
+                  <a:srgbClr val="0070C0"/>
+                </a:solidFill>
+                <a:latin typeface="Helvetica" charset="0"/>
+              </a:rPr>
+              <a:t>T</a:t>
+            </a:r>
+            <a:endParaRPr lang="en-US" sz="1667" b="1" dirty="0">
+              <a:solidFill>
+                <a:srgbClr val="0070C0"/>
+              </a:solidFill>
+              <a:latin typeface="Helvetica" charset="0"/>
+            </a:endParaRPr>
+          </a:p>
+          <a:p>
+            <a:pPr>
+              <a:spcBef>
+                <a:spcPct val="20000"/>
+              </a:spcBef>
+            </a:pPr>
+            <a:r>
+              <a:rPr lang="en-US" sz="1333" b="1" dirty="0">
+                <a:solidFill>
+                  <a:srgbClr val="0070C0"/>
+                </a:solidFill>
+                <a:latin typeface="Helvetica" charset="0"/>
+              </a:rPr>
+              <a:t>The lateral distance along a </a:t>
+            </a:r>
+            <a:r>
+              <a:rPr lang="en-US" sz="1333" b="1" dirty="0" err="1">
+                <a:solidFill>
+                  <a:srgbClr val="0070C0"/>
+                </a:solidFill>
+                <a:latin typeface="Helvetica" charset="0"/>
+              </a:rPr>
+              <a:t>wavefront</a:t>
+            </a:r>
+            <a:r>
+              <a:rPr lang="en-US" sz="1333" b="1" dirty="0">
+                <a:solidFill>
+                  <a:srgbClr val="0070C0"/>
+                </a:solidFill>
+                <a:latin typeface="Helvetica" charset="0"/>
+              </a:rPr>
+              <a:t> over which there is a complete </a:t>
+            </a:r>
+            <a:r>
+              <a:rPr lang="en-US" sz="1333" b="1" dirty="0" err="1">
+                <a:solidFill>
+                  <a:srgbClr val="0070C0"/>
+                </a:solidFill>
+                <a:latin typeface="Helvetica" charset="0"/>
+              </a:rPr>
+              <a:t>dephasing</a:t>
+            </a:r>
+            <a:r>
+              <a:rPr lang="en-US" sz="1333" b="1" dirty="0">
+                <a:solidFill>
+                  <a:srgbClr val="0070C0"/>
+                </a:solidFill>
+                <a:latin typeface="Helvetica" charset="0"/>
+              </a:rPr>
+              <a:t> between two waves of the same wavelength, which originate from two separate points in space</a:t>
+            </a:r>
+          </a:p>
+        </p:txBody>
+      </p:sp>
+      <p:pic>
+        <p:nvPicPr>
+          <p:cNvPr id="17" name="Picture 3">
+            <a:extLst>
+              <a:ext uri="{FF2B5EF4-FFF2-40B4-BE49-F238E27FC236}">
+                <a16:creationId xmlns:a16="http://schemas.microsoft.com/office/drawing/2014/main" id="{20EDBAF8-0502-4741-A8EA-B47E70DA892D}"/>
+              </a:ext>
+            </a:extLst>
+          </p:cNvPr>
+          <p:cNvPicPr>
+            <a:picLocks noChangeAspect="1" noChangeArrowheads="1"/>
+          </p:cNvPicPr>
+          <p:nvPr/>
+        </p:nvPicPr>
+        <p:blipFill>
+          <a:blip r:embed="rId2" cstate="print"/>
+          <a:srcRect/>
+          <a:stretch>
+            <a:fillRect/>
+          </a:stretch>
+        </p:blipFill>
+        <p:spPr bwMode="auto">
+          <a:xfrm>
+            <a:off x="6286500" y="1023571"/>
+            <a:ext cx="2286000" cy="2081623"/>
+          </a:xfrm>
+          <a:prstGeom prst="rect">
+            <a:avLst/>
+          </a:prstGeom>
+          <a:noFill/>
+          <a:ln w="9525">
+            <a:noFill/>
+            <a:miter lim="800000"/>
+            <a:headEnd/>
+            <a:tailEnd/>
+          </a:ln>
+        </p:spPr>
+      </p:pic>
+      <p:pic>
+        <p:nvPicPr>
+          <p:cNvPr id="20" name="Picture 5">
+            <a:extLst>
+              <a:ext uri="{FF2B5EF4-FFF2-40B4-BE49-F238E27FC236}">
+                <a16:creationId xmlns:a16="http://schemas.microsoft.com/office/drawing/2014/main" id="{3BC48358-F23D-4FA7-B86B-6E4DF6FF0750}"/>
+              </a:ext>
+            </a:extLst>
+          </p:cNvPr>
+          <p:cNvPicPr>
+            <a:picLocks noChangeAspect="1" noChangeArrowheads="1"/>
+          </p:cNvPicPr>
+          <p:nvPr/>
+        </p:nvPicPr>
+        <p:blipFill>
+          <a:blip r:embed="rId3" cstate="print"/>
+          <a:srcRect/>
+          <a:stretch>
+            <a:fillRect/>
+          </a:stretch>
+        </p:blipFill>
+        <p:spPr bwMode="auto">
+          <a:xfrm>
+            <a:off x="5461001" y="3365500"/>
+            <a:ext cx="2919814" cy="1524000"/>
+          </a:xfrm>
+          <a:prstGeom prst="rect">
+            <a:avLst/>
+          </a:prstGeom>
+          <a:noFill/>
+          <a:ln w="9525">
+            <a:noFill/>
+            <a:miter lim="800000"/>
+            <a:headEnd/>
+            <a:tailEnd/>
+          </a:ln>
+        </p:spPr>
+      </p:pic>
+      <p:pic>
+        <p:nvPicPr>
+          <p:cNvPr id="25" name="Picture 6">
+            <a:extLst>
+              <a:ext uri="{FF2B5EF4-FFF2-40B4-BE49-F238E27FC236}">
+                <a16:creationId xmlns:a16="http://schemas.microsoft.com/office/drawing/2014/main" id="{CD60F8C0-981E-403B-8E55-7F5E908C1F4F}"/>
+              </a:ext>
+            </a:extLst>
+          </p:cNvPr>
+          <p:cNvPicPr>
+            <a:picLocks noChangeAspect="1" noChangeArrowheads="1"/>
+          </p:cNvPicPr>
+          <p:nvPr/>
+        </p:nvPicPr>
+        <p:blipFill>
+          <a:blip r:embed="rId4" cstate="print"/>
+          <a:srcRect/>
+          <a:stretch>
+            <a:fillRect/>
+          </a:stretch>
+        </p:blipFill>
+        <p:spPr bwMode="auto">
+          <a:xfrm>
+            <a:off x="2550583" y="4691108"/>
+            <a:ext cx="3259667" cy="977900"/>
+          </a:xfrm>
+          <a:prstGeom prst="rect">
+            <a:avLst/>
+          </a:prstGeom>
+          <a:noFill/>
+          <a:ln w="9525">
+            <a:noFill/>
+            <a:miter lim="800000"/>
+            <a:headEnd/>
+            <a:tailEnd/>
+          </a:ln>
+        </p:spPr>
+      </p:pic>
+      <p:sp>
+        <p:nvSpPr>
+          <p:cNvPr id="26" name="TextBox 25">
+            <a:extLst>
+              <a:ext uri="{FF2B5EF4-FFF2-40B4-BE49-F238E27FC236}">
+                <a16:creationId xmlns:a16="http://schemas.microsoft.com/office/drawing/2014/main" id="{580B3721-0EAB-4FDC-AD81-48F3279537F6}"/>
+              </a:ext>
+            </a:extLst>
+          </p:cNvPr>
+          <p:cNvSpPr txBox="1"/>
+          <p:nvPr/>
+        </p:nvSpPr>
+        <p:spPr>
+          <a:xfrm>
+            <a:off x="5619750" y="669342"/>
+            <a:ext cx="7048500" cy="451342"/>
+          </a:xfrm>
+          <a:prstGeom prst="rect">
+            <a:avLst/>
+          </a:prstGeom>
+          <a:noFill/>
+        </p:spPr>
+        <p:txBody>
+          <a:bodyPr wrap="square" rtlCol="0">
+            <a:spAutoFit/>
+          </a:bodyPr>
+          <a:lstStyle/>
+          <a:p>
+            <a:r>
+              <a:rPr lang="en-US" sz="1333" dirty="0"/>
+              <a:t>COHERENT LENGTHS - TWO WAVES                                 </a:t>
+            </a:r>
+            <a:r>
+              <a:rPr lang="en-US" sz="1000" dirty="0"/>
+              <a:t>http://www.csrri.iit.edu/~segre/phys570/10F/lecture_04.pdf</a:t>
+            </a:r>
+            <a:endParaRPr lang="en-US" sz="1333" dirty="0"/>
+          </a:p>
+        </p:txBody>
+      </p:sp>
+      <p:pic>
+        <p:nvPicPr>
+          <p:cNvPr id="27" name="Picture 2">
+            <a:extLst>
+              <a:ext uri="{FF2B5EF4-FFF2-40B4-BE49-F238E27FC236}">
+                <a16:creationId xmlns:a16="http://schemas.microsoft.com/office/drawing/2014/main" id="{6A703D3A-3A72-4E83-A3D4-8A1771AA4694}"/>
+              </a:ext>
+            </a:extLst>
+          </p:cNvPr>
+          <p:cNvPicPr>
+            <a:picLocks noChangeAspect="1" noChangeArrowheads="1"/>
+          </p:cNvPicPr>
+          <p:nvPr/>
+        </p:nvPicPr>
+        <p:blipFill>
+          <a:blip r:embed="rId5" cstate="print"/>
+          <a:srcRect/>
+          <a:stretch>
+            <a:fillRect/>
+          </a:stretch>
+        </p:blipFill>
+        <p:spPr bwMode="auto">
+          <a:xfrm>
+            <a:off x="889001" y="2671564"/>
+            <a:ext cx="5327314" cy="762000"/>
+          </a:xfrm>
+          <a:prstGeom prst="rect">
+            <a:avLst/>
+          </a:prstGeom>
+          <a:noFill/>
+          <a:ln w="9525">
+            <a:noFill/>
+            <a:miter lim="800000"/>
+            <a:headEnd/>
+            <a:tailEnd/>
+          </a:ln>
+        </p:spPr>
+      </p:pic>
+      <p:sp>
+        <p:nvSpPr>
+          <p:cNvPr id="28" name="Rectangle 27">
+            <a:extLst>
+              <a:ext uri="{FF2B5EF4-FFF2-40B4-BE49-F238E27FC236}">
+                <a16:creationId xmlns:a16="http://schemas.microsoft.com/office/drawing/2014/main" id="{753FED5A-52FB-4B4F-9EAF-D2F13F95DC0A}"/>
               </a:ext>
             </a:extLst>
           </p:cNvPr>
@@ -3371,17 +3249,17 @@
         </p:nvSpPr>
         <p:spPr>
           <a:xfrm>
-            <a:off x="762000" y="2032000"/>
-            <a:ext cx="1079500" cy="1778000"/>
+            <a:off x="5334000" y="2951005"/>
+            <a:ext cx="952500" cy="554567"/>
           </a:xfrm>
           <a:prstGeom prst="rect">
             <a:avLst/>
           </a:prstGeom>
-          <a:solidFill>
-            <a:schemeClr val="bg1"/>
-          </a:solidFill>
+          <a:noFill/>
           <a:ln>
-            <a:noFill/>
+            <a:solidFill>
+              <a:srgbClr val="FF0000"/>
+            </a:solidFill>
           </a:ln>
         </p:spPr>
         <p:style>
@@ -3411,355 +3289,150 @@
       </p:sp>
       <p:sp>
         <p:nvSpPr>
-          <p:cNvPr id="17" name="Content Placeholder 2">
-            <a:extLst>
-              <a:ext uri="{FF2B5EF4-FFF2-40B4-BE49-F238E27FC236}">
-                <a16:creationId xmlns:a16="http://schemas.microsoft.com/office/drawing/2014/main" id="{ED148D5C-F59A-4E0E-8857-9E6385384CBE}"/>
-              </a:ext>
-            </a:extLst>
-          </p:cNvPr>
-          <p:cNvSpPr>
-            <a:spLocks noGrp="1"/>
-          </p:cNvSpPr>
-          <p:nvPr>
-            <p:ph idx="1"/>
-          </p:nvPr>
+          <p:cNvPr id="29" name="Rectangle 28">
+            <a:extLst>
+              <a:ext uri="{FF2B5EF4-FFF2-40B4-BE49-F238E27FC236}">
+                <a16:creationId xmlns:a16="http://schemas.microsoft.com/office/drawing/2014/main" id="{4497B984-7AF8-4DFB-9D1B-1C14983ED783}"/>
+              </a:ext>
+            </a:extLst>
+          </p:cNvPr>
+          <p:cNvSpPr/>
+          <p:nvPr/>
         </p:nvSpPr>
         <p:spPr>
           <a:xfrm>
-            <a:off x="1219200" y="717800"/>
-            <a:ext cx="6705600" cy="1219200"/>
-          </a:xfrm>
+            <a:off x="3660332" y="5180541"/>
+            <a:ext cx="952500" cy="444500"/>
+          </a:xfrm>
+          <a:prstGeom prst="rect">
+            <a:avLst/>
+          </a:prstGeom>
           <a:noFill/>
-        </p:spPr>
-        <p:txBody>
-          <a:bodyPr>
-            <a:normAutofit fontScale="92500" lnSpcReduction="20000"/>
-          </a:bodyPr>
-          <a:lstStyle/>
-          <a:p>
-            <a:r>
-              <a:rPr lang="en-US" sz="2400" dirty="0">
-                <a:solidFill>
-                  <a:srgbClr val="FF0000"/>
-                </a:solidFill>
-              </a:rPr>
-              <a:t>the synchrotron beam </a:t>
-            </a:r>
-            <a:r>
-              <a:rPr lang="en-US" sz="2400" b="1" i="1" dirty="0">
-                <a:solidFill>
-                  <a:srgbClr val="FF0000"/>
-                </a:solidFill>
-              </a:rPr>
-              <a:t>is not </a:t>
-            </a:r>
-            <a:r>
-              <a:rPr lang="en-US" sz="2400" dirty="0">
-                <a:solidFill>
-                  <a:srgbClr val="FF0000"/>
-                </a:solidFill>
-              </a:rPr>
-              <a:t>formed by two single monochromatic plane waves</a:t>
-            </a:r>
-          </a:p>
-          <a:p>
-            <a:r>
-              <a:rPr lang="en-US" sz="2400" dirty="0">
-                <a:solidFill>
-                  <a:srgbClr val="FF0000"/>
-                </a:solidFill>
-              </a:rPr>
-              <a:t>But we give some </a:t>
-            </a:r>
-            <a:r>
-              <a:rPr lang="en-US" sz="2400" b="1" i="1" u="sng" dirty="0">
-                <a:solidFill>
-                  <a:srgbClr val="FF0000"/>
-                </a:solidFill>
-              </a:rPr>
-              <a:t>approximated</a:t>
-            </a:r>
-            <a:r>
-              <a:rPr lang="en-US" sz="2400" dirty="0">
-                <a:solidFill>
-                  <a:srgbClr val="FF0000"/>
-                </a:solidFill>
-              </a:rPr>
-              <a:t> values…</a:t>
-            </a:r>
-          </a:p>
-          <a:p>
-            <a:endParaRPr lang="en-GB" dirty="0"/>
-          </a:p>
-        </p:txBody>
-      </p:sp>
-      <p:sp>
-        <p:nvSpPr>
-          <p:cNvPr id="20" name="TextBox 19">
-            <a:extLst>
-              <a:ext uri="{FF2B5EF4-FFF2-40B4-BE49-F238E27FC236}">
-                <a16:creationId xmlns:a16="http://schemas.microsoft.com/office/drawing/2014/main" id="{4675F57D-F7CD-43C6-864D-562236653608}"/>
-              </a:ext>
-            </a:extLst>
-          </p:cNvPr>
-          <p:cNvSpPr txBox="1"/>
+          <a:ln>
+            <a:solidFill>
+              <a:srgbClr val="FF0000"/>
+            </a:solidFill>
+          </a:ln>
+        </p:spPr>
+        <p:style>
+          <a:lnRef idx="2">
+            <a:schemeClr val="accent1">
+              <a:shade val="50000"/>
+            </a:schemeClr>
+          </a:lnRef>
+          <a:fillRef idx="1">
+            <a:schemeClr val="accent1"/>
+          </a:fillRef>
+          <a:effectRef idx="0">
+            <a:schemeClr val="accent1"/>
+          </a:effectRef>
+          <a:fontRef idx="minor">
+            <a:schemeClr val="lt1"/>
+          </a:fontRef>
+        </p:style>
+        <p:txBody>
+          <a:bodyPr rtlCol="0" anchor="ctr"/>
+          <a:lstStyle/>
+          <a:p>
+            <a:pPr algn="ctr"/>
+            <a:endParaRPr lang="en-US" sz="1500"/>
+          </a:p>
+        </p:txBody>
+      </p:sp>
+      <p:sp>
+        <p:nvSpPr>
+          <p:cNvPr id="30" name="Rectangle 29">
+            <a:extLst>
+              <a:ext uri="{FF2B5EF4-FFF2-40B4-BE49-F238E27FC236}">
+                <a16:creationId xmlns:a16="http://schemas.microsoft.com/office/drawing/2014/main" id="{842CE804-E645-4A7D-BF0D-59B413A6B2F0}"/>
+              </a:ext>
+            </a:extLst>
+          </p:cNvPr>
+          <p:cNvSpPr/>
           <p:nvPr/>
         </p:nvSpPr>
         <p:spPr>
           <a:xfrm>
-            <a:off x="76200" y="1941110"/>
-            <a:ext cx="9067800" cy="3219343"/>
+            <a:off x="2476500" y="2540000"/>
+            <a:ext cx="2413000" cy="317500"/>
           </a:xfrm>
           <a:prstGeom prst="rect">
             <a:avLst/>
           </a:prstGeom>
+          <a:solidFill>
+            <a:schemeClr val="bg1"/>
+          </a:solidFill>
+          <a:ln>
+            <a:noFill/>
+          </a:ln>
+        </p:spPr>
+        <p:style>
+          <a:lnRef idx="2">
+            <a:schemeClr val="accent1">
+              <a:shade val="50000"/>
+            </a:schemeClr>
+          </a:lnRef>
+          <a:fillRef idx="1">
+            <a:schemeClr val="accent1"/>
+          </a:fillRef>
+          <a:effectRef idx="0">
+            <a:schemeClr val="accent1"/>
+          </a:effectRef>
+          <a:fontRef idx="minor">
+            <a:schemeClr val="lt1"/>
+          </a:fontRef>
+        </p:style>
+        <p:txBody>
+          <a:bodyPr rtlCol="0" anchor="ctr"/>
+          <a:lstStyle/>
+          <a:p>
+            <a:pPr algn="ctr"/>
+            <a:endParaRPr lang="en-US" sz="1500"/>
+          </a:p>
+        </p:txBody>
+      </p:sp>
+      <p:pic>
+        <p:nvPicPr>
+          <p:cNvPr id="31" name="Picture 1">
+            <a:extLst>
+              <a:ext uri="{FF2B5EF4-FFF2-40B4-BE49-F238E27FC236}">
+                <a16:creationId xmlns:a16="http://schemas.microsoft.com/office/drawing/2014/main" id="{D19353D8-F1A5-4603-87B0-7FA8BF466788}"/>
+              </a:ext>
+            </a:extLst>
+          </p:cNvPr>
+          <p:cNvPicPr>
+            <a:picLocks noChangeAspect="1" noChangeArrowheads="1"/>
+          </p:cNvPicPr>
+          <p:nvPr/>
+        </p:nvPicPr>
+        <p:blipFill>
+          <a:blip r:embed="rId6" cstate="print"/>
+          <a:srcRect/>
+          <a:stretch>
+            <a:fillRect/>
+          </a:stretch>
+        </p:blipFill>
+        <p:spPr bwMode="auto">
+          <a:xfrm>
+            <a:off x="2680072" y="2209428"/>
+            <a:ext cx="2540000" cy="712519"/>
+          </a:xfrm>
+          <a:prstGeom prst="rect">
+            <a:avLst/>
+          </a:prstGeom>
           <a:noFill/>
-        </p:spPr>
-        <p:txBody>
-          <a:bodyPr wrap="square" rtlCol="0">
-            <a:spAutoFit/>
-          </a:bodyPr>
-          <a:lstStyle/>
-          <a:p>
-            <a:endParaRPr lang="en-US" dirty="0"/>
-          </a:p>
-          <a:p>
-            <a:r>
-              <a:rPr lang="en-US" dirty="0"/>
-              <a:t>Imagine that a typical </a:t>
-            </a:r>
-            <a:r>
-              <a:rPr lang="en-US" dirty="0" err="1">
-                <a:solidFill>
-                  <a:srgbClr val="FF0000"/>
-                </a:solidFill>
-              </a:rPr>
-              <a:t>monochromator</a:t>
-            </a:r>
-            <a:r>
-              <a:rPr lang="en-US" dirty="0"/>
-              <a:t>:</a:t>
-            </a:r>
-          </a:p>
-          <a:p>
-            <a:endParaRPr lang="en-US" dirty="0"/>
-          </a:p>
-          <a:p>
-            <a:pPr lvl="1">
-              <a:lnSpc>
-                <a:spcPct val="90000"/>
-              </a:lnSpc>
-              <a:buFont typeface="Arial" pitchFamily="34" charset="0"/>
-              <a:buChar char="•"/>
-            </a:pPr>
-            <a:r>
-              <a:rPr lang="en-US" dirty="0"/>
-              <a:t>Produces a typical of </a:t>
-            </a:r>
-            <a:r>
-              <a:rPr lang="en-US" dirty="0">
-                <a:solidFill>
-                  <a:srgbClr val="FF0000"/>
-                </a:solidFill>
-              </a:rPr>
-              <a:t>∆λ/λ = 10</a:t>
-            </a:r>
-            <a:r>
-              <a:rPr lang="en-US" baseline="30000" dirty="0">
-                <a:solidFill>
-                  <a:srgbClr val="FF0000"/>
-                </a:solidFill>
-              </a:rPr>
-              <a:t>−4</a:t>
-            </a:r>
-            <a:r>
-              <a:rPr lang="en-US" dirty="0">
-                <a:solidFill>
-                  <a:srgbClr val="FF0000"/>
-                </a:solidFill>
-              </a:rPr>
-              <a:t>  </a:t>
-            </a:r>
-            <a:r>
-              <a:rPr lang="en-US" dirty="0"/>
-              <a:t>(Si 111)  peak distribution (Gaussian)</a:t>
-            </a:r>
-          </a:p>
-          <a:p>
-            <a:pPr>
-              <a:lnSpc>
-                <a:spcPct val="90000"/>
-              </a:lnSpc>
-            </a:pPr>
-            <a:endParaRPr lang="en-US" dirty="0"/>
-          </a:p>
-          <a:p>
-            <a:pPr lvl="1">
-              <a:lnSpc>
-                <a:spcPct val="90000"/>
-              </a:lnSpc>
-              <a:buFont typeface="Arial" pitchFamily="34" charset="0"/>
-              <a:buChar char="•"/>
-            </a:pPr>
-            <a:r>
-              <a:rPr lang="en-US" dirty="0"/>
-              <a:t>For main wavelength of </a:t>
-            </a:r>
-            <a:r>
-              <a:rPr lang="en-US" dirty="0">
-                <a:solidFill>
-                  <a:srgbClr val="FF0000"/>
-                </a:solidFill>
-              </a:rPr>
-              <a:t>λ = 1Å </a:t>
-            </a:r>
-            <a:r>
-              <a:rPr lang="en-US" dirty="0"/>
-              <a:t>we select </a:t>
-            </a:r>
-            <a:r>
-              <a:rPr lang="en-US" dirty="0">
-                <a:solidFill>
-                  <a:srgbClr val="FF0000"/>
-                </a:solidFill>
-              </a:rPr>
-              <a:t>two lines </a:t>
-            </a:r>
-            <a:r>
-              <a:rPr lang="en-US" dirty="0"/>
-              <a:t>thus separated its width ∆λ = 10</a:t>
-            </a:r>
-            <a:r>
-              <a:rPr lang="en-US" baseline="30000" dirty="0"/>
-              <a:t>−4</a:t>
-            </a:r>
-            <a:r>
-              <a:rPr lang="en-US" dirty="0"/>
-              <a:t> </a:t>
-            </a:r>
-            <a:r>
-              <a:rPr lang="en-US" dirty="0" err="1"/>
-              <a:t>Å</a:t>
-            </a:r>
-            <a:br>
-              <a:rPr lang="en-US" dirty="0"/>
-            </a:br>
-            <a:endParaRPr lang="en-US" dirty="0"/>
-          </a:p>
-          <a:p>
-            <a:pPr lvl="1">
-              <a:lnSpc>
-                <a:spcPct val="90000"/>
-              </a:lnSpc>
-              <a:buFont typeface="Arial" pitchFamily="34" charset="0"/>
-              <a:buChar char="•"/>
-            </a:pPr>
-            <a:r>
-              <a:rPr lang="en-US" dirty="0"/>
-              <a:t>The </a:t>
-            </a:r>
-            <a:r>
-              <a:rPr lang="en-US" dirty="0" err="1">
-                <a:solidFill>
-                  <a:srgbClr val="FF0000"/>
-                </a:solidFill>
-              </a:rPr>
-              <a:t>wavefronts</a:t>
-            </a:r>
-            <a:r>
-              <a:rPr lang="en-US" dirty="0">
-                <a:solidFill>
-                  <a:srgbClr val="FF0000"/>
-                </a:solidFill>
-              </a:rPr>
-              <a:t> </a:t>
-            </a:r>
-            <a:r>
-              <a:rPr lang="en-US" dirty="0"/>
-              <a:t>of these two monochromatic waves </a:t>
-            </a:r>
-            <a:r>
-              <a:rPr lang="en-US" dirty="0">
-                <a:solidFill>
-                  <a:srgbClr val="FF0000"/>
-                </a:solidFill>
-              </a:rPr>
-              <a:t>are plane and identical </a:t>
-            </a:r>
-            <a:endParaRPr lang="en-US" dirty="0"/>
-          </a:p>
-          <a:p>
-            <a:endParaRPr lang="en-US" dirty="0">
-              <a:solidFill>
-                <a:srgbClr val="FF0000"/>
-              </a:solidFill>
-            </a:endParaRPr>
-          </a:p>
-          <a:p>
-            <a:r>
-              <a:rPr lang="en-US" sz="1600" dirty="0">
-                <a:solidFill>
-                  <a:srgbClr val="FF0000"/>
-                </a:solidFill>
-              </a:rPr>
-              <a:t>STATIONARY: This correlation time is much smaller than “bunch time” ~ 15 10</a:t>
-            </a:r>
-            <a:r>
-              <a:rPr lang="en-US" sz="1600" baseline="30000" dirty="0">
-                <a:solidFill>
-                  <a:srgbClr val="FF0000"/>
-                </a:solidFill>
-              </a:rPr>
-              <a:t>-3</a:t>
-            </a:r>
-            <a:r>
-              <a:rPr lang="en-US" sz="1600" dirty="0">
-                <a:solidFill>
-                  <a:srgbClr val="FF0000"/>
-                </a:solidFill>
-              </a:rPr>
-              <a:t> / c ~10</a:t>
-            </a:r>
-            <a:r>
-              <a:rPr lang="en-US" sz="1600" baseline="30000" dirty="0">
-                <a:solidFill>
-                  <a:srgbClr val="FF0000"/>
-                </a:solidFill>
-              </a:rPr>
-              <a:t>-12</a:t>
-            </a:r>
-            <a:r>
-              <a:rPr lang="en-US" sz="1600" dirty="0">
-                <a:solidFill>
-                  <a:srgbClr val="FF0000"/>
-                </a:solidFill>
-              </a:rPr>
-              <a:t> s~ </a:t>
-            </a:r>
-            <a:r>
-              <a:rPr lang="en-US" sz="1600" dirty="0" err="1">
-                <a:solidFill>
-                  <a:srgbClr val="FF0000"/>
-                </a:solidFill>
-              </a:rPr>
-              <a:t>ps</a:t>
-            </a:r>
-            <a:endParaRPr lang="en-US" sz="1600" dirty="0">
-              <a:solidFill>
-                <a:srgbClr val="FF0000"/>
-              </a:solidFill>
-            </a:endParaRPr>
-          </a:p>
-          <a:p>
-            <a:endParaRPr lang="en-US" dirty="0"/>
-          </a:p>
-        </p:txBody>
-      </p:sp>
+          <a:ln w="9525">
+            <a:noFill/>
+            <a:miter lim="800000"/>
+            <a:headEnd/>
+            <a:tailEnd/>
+          </a:ln>
+        </p:spPr>
+      </p:pic>
     </p:spTree>
     <p:extLst>
       <p:ext uri="{BB962C8B-B14F-4D97-AF65-F5344CB8AC3E}">
-        <p14:creationId xmlns:p14="http://schemas.microsoft.com/office/powerpoint/2010/main" val="1340768744"/>
+        <p14:creationId xmlns:p14="http://schemas.microsoft.com/office/powerpoint/2010/main" val="3767182191"/>
       </p:ext>
     </p:extLst>
   </p:cSld>
@@ -3832,6 +3505,509 @@
               <a:rPr lang="en-US" noProof="0" smtClean="0"/>
               <a:pPr/>
               <a:t>13</a:t>
+            </a:fld>
+            <a:endParaRPr lang="en-US" noProof="0"/>
+          </a:p>
+        </p:txBody>
+      </p:sp>
+      <p:sp>
+        <p:nvSpPr>
+          <p:cNvPr id="7" name="Footer Placeholder 6"/>
+          <p:cNvSpPr>
+            <a:spLocks noGrp="1"/>
+          </p:cNvSpPr>
+          <p:nvPr>
+            <p:ph type="ftr" sz="quarter" idx="16"/>
+          </p:nvPr>
+        </p:nvSpPr>
+        <p:spPr/>
+        <p:txBody>
+          <a:bodyPr/>
+          <a:lstStyle/>
+          <a:p>
+            <a:r>
+              <a:rPr lang="en-US" noProof="0"/>
+              <a:t>OASYS-Coherence transport | HERCULES2025</a:t>
+            </a:r>
+            <a:endParaRPr lang="en-US" noProof="0" dirty="0"/>
+          </a:p>
+        </p:txBody>
+      </p:sp>
+      <p:sp>
+        <p:nvSpPr>
+          <p:cNvPr id="22" name="Rectangle 21">
+            <a:extLst>
+              <a:ext uri="{FF2B5EF4-FFF2-40B4-BE49-F238E27FC236}">
+                <a16:creationId xmlns:a16="http://schemas.microsoft.com/office/drawing/2014/main" id="{9659CA31-3DD9-4093-BE32-2245845A459D}"/>
+              </a:ext>
+            </a:extLst>
+          </p:cNvPr>
+          <p:cNvSpPr/>
+          <p:nvPr/>
+        </p:nvSpPr>
+        <p:spPr>
+          <a:xfrm>
+            <a:off x="762000" y="2032000"/>
+            <a:ext cx="1079500" cy="1778000"/>
+          </a:xfrm>
+          <a:prstGeom prst="rect">
+            <a:avLst/>
+          </a:prstGeom>
+          <a:solidFill>
+            <a:schemeClr val="bg1"/>
+          </a:solidFill>
+          <a:ln>
+            <a:noFill/>
+          </a:ln>
+        </p:spPr>
+        <p:style>
+          <a:lnRef idx="2">
+            <a:schemeClr val="accent1">
+              <a:shade val="50000"/>
+            </a:schemeClr>
+          </a:lnRef>
+          <a:fillRef idx="1">
+            <a:schemeClr val="accent1"/>
+          </a:fillRef>
+          <a:effectRef idx="0">
+            <a:schemeClr val="accent1"/>
+          </a:effectRef>
+          <a:fontRef idx="minor">
+            <a:schemeClr val="lt1"/>
+          </a:fontRef>
+        </p:style>
+        <p:txBody>
+          <a:bodyPr rtlCol="0" anchor="ctr"/>
+          <a:lstStyle/>
+          <a:p>
+            <a:pPr algn="ctr"/>
+            <a:endParaRPr lang="en-US" sz="1500"/>
+          </a:p>
+        </p:txBody>
+      </p:sp>
+      <p:sp>
+        <p:nvSpPr>
+          <p:cNvPr id="17" name="Content Placeholder 2">
+            <a:extLst>
+              <a:ext uri="{FF2B5EF4-FFF2-40B4-BE49-F238E27FC236}">
+                <a16:creationId xmlns:a16="http://schemas.microsoft.com/office/drawing/2014/main" id="{ED148D5C-F59A-4E0E-8857-9E6385384CBE}"/>
+              </a:ext>
+            </a:extLst>
+          </p:cNvPr>
+          <p:cNvSpPr>
+            <a:spLocks noGrp="1"/>
+          </p:cNvSpPr>
+          <p:nvPr>
+            <p:ph idx="1"/>
+          </p:nvPr>
+        </p:nvSpPr>
+        <p:spPr>
+          <a:xfrm>
+            <a:off x="1219200" y="717800"/>
+            <a:ext cx="6705600" cy="1219200"/>
+          </a:xfrm>
+          <a:noFill/>
+        </p:spPr>
+        <p:txBody>
+          <a:bodyPr>
+            <a:normAutofit fontScale="92500" lnSpcReduction="20000"/>
+          </a:bodyPr>
+          <a:lstStyle/>
+          <a:p>
+            <a:r>
+              <a:rPr lang="en-US" sz="2400" dirty="0">
+                <a:solidFill>
+                  <a:srgbClr val="FF0000"/>
+                </a:solidFill>
+              </a:rPr>
+              <a:t>the synchrotron beam </a:t>
+            </a:r>
+            <a:r>
+              <a:rPr lang="en-US" sz="2400" b="1" i="1" dirty="0">
+                <a:solidFill>
+                  <a:srgbClr val="FF0000"/>
+                </a:solidFill>
+              </a:rPr>
+              <a:t>is not </a:t>
+            </a:r>
+            <a:r>
+              <a:rPr lang="en-US" sz="2400" dirty="0">
+                <a:solidFill>
+                  <a:srgbClr val="FF0000"/>
+                </a:solidFill>
+              </a:rPr>
+              <a:t>formed by two single monochromatic plane waves</a:t>
+            </a:r>
+          </a:p>
+          <a:p>
+            <a:r>
+              <a:rPr lang="en-US" sz="2400" dirty="0">
+                <a:solidFill>
+                  <a:srgbClr val="FF0000"/>
+                </a:solidFill>
+              </a:rPr>
+              <a:t>But we give some </a:t>
+            </a:r>
+            <a:r>
+              <a:rPr lang="en-US" sz="2400" b="1" i="1" u="sng" dirty="0">
+                <a:solidFill>
+                  <a:srgbClr val="FF0000"/>
+                </a:solidFill>
+              </a:rPr>
+              <a:t>approximated</a:t>
+            </a:r>
+            <a:r>
+              <a:rPr lang="en-US" sz="2400" dirty="0">
+                <a:solidFill>
+                  <a:srgbClr val="FF0000"/>
+                </a:solidFill>
+              </a:rPr>
+              <a:t> values…</a:t>
+            </a:r>
+          </a:p>
+          <a:p>
+            <a:endParaRPr lang="en-GB" dirty="0"/>
+          </a:p>
+        </p:txBody>
+      </p:sp>
+      <p:sp>
+        <p:nvSpPr>
+          <p:cNvPr id="20" name="TextBox 19">
+            <a:extLst>
+              <a:ext uri="{FF2B5EF4-FFF2-40B4-BE49-F238E27FC236}">
+                <a16:creationId xmlns:a16="http://schemas.microsoft.com/office/drawing/2014/main" id="{4675F57D-F7CD-43C6-864D-562236653608}"/>
+              </a:ext>
+            </a:extLst>
+          </p:cNvPr>
+          <p:cNvSpPr txBox="1"/>
+          <p:nvPr/>
+        </p:nvSpPr>
+        <p:spPr>
+          <a:xfrm>
+            <a:off x="76200" y="1941110"/>
+            <a:ext cx="9067800" cy="3219343"/>
+          </a:xfrm>
+          <a:prstGeom prst="rect">
+            <a:avLst/>
+          </a:prstGeom>
+          <a:noFill/>
+        </p:spPr>
+        <p:txBody>
+          <a:bodyPr wrap="square" rtlCol="0">
+            <a:spAutoFit/>
+          </a:bodyPr>
+          <a:lstStyle/>
+          <a:p>
+            <a:endParaRPr lang="en-US" dirty="0"/>
+          </a:p>
+          <a:p>
+            <a:r>
+              <a:rPr lang="en-US" dirty="0"/>
+              <a:t>Imagine that a typical </a:t>
+            </a:r>
+            <a:r>
+              <a:rPr lang="en-US" dirty="0" err="1">
+                <a:solidFill>
+                  <a:srgbClr val="FF0000"/>
+                </a:solidFill>
+              </a:rPr>
+              <a:t>monochromator</a:t>
+            </a:r>
+            <a:r>
+              <a:rPr lang="en-US" dirty="0"/>
+              <a:t>:</a:t>
+            </a:r>
+          </a:p>
+          <a:p>
+            <a:endParaRPr lang="en-US" dirty="0"/>
+          </a:p>
+          <a:p>
+            <a:pPr lvl="1">
+              <a:lnSpc>
+                <a:spcPct val="90000"/>
+              </a:lnSpc>
+              <a:buFont typeface="Arial" pitchFamily="34" charset="0"/>
+              <a:buChar char="•"/>
+            </a:pPr>
+            <a:r>
+              <a:rPr lang="en-US" dirty="0"/>
+              <a:t>Produces a typical of </a:t>
+            </a:r>
+            <a:r>
+              <a:rPr lang="en-US" dirty="0">
+                <a:solidFill>
+                  <a:srgbClr val="FF0000"/>
+                </a:solidFill>
+              </a:rPr>
+              <a:t>∆λ/λ = 10</a:t>
+            </a:r>
+            <a:r>
+              <a:rPr lang="en-US" baseline="30000" dirty="0">
+                <a:solidFill>
+                  <a:srgbClr val="FF0000"/>
+                </a:solidFill>
+              </a:rPr>
+              <a:t>−4</a:t>
+            </a:r>
+            <a:r>
+              <a:rPr lang="en-US" dirty="0">
+                <a:solidFill>
+                  <a:srgbClr val="FF0000"/>
+                </a:solidFill>
+              </a:rPr>
+              <a:t>  </a:t>
+            </a:r>
+            <a:r>
+              <a:rPr lang="en-US" dirty="0"/>
+              <a:t>(Si 111)  peak distribution (Gaussian)</a:t>
+            </a:r>
+          </a:p>
+          <a:p>
+            <a:pPr>
+              <a:lnSpc>
+                <a:spcPct val="90000"/>
+              </a:lnSpc>
+            </a:pPr>
+            <a:endParaRPr lang="en-US" dirty="0"/>
+          </a:p>
+          <a:p>
+            <a:pPr lvl="1">
+              <a:lnSpc>
+                <a:spcPct val="90000"/>
+              </a:lnSpc>
+              <a:buFont typeface="Arial" pitchFamily="34" charset="0"/>
+              <a:buChar char="•"/>
+            </a:pPr>
+            <a:r>
+              <a:rPr lang="en-US" dirty="0"/>
+              <a:t>For main wavelength of </a:t>
+            </a:r>
+            <a:r>
+              <a:rPr lang="en-US" dirty="0">
+                <a:solidFill>
+                  <a:srgbClr val="FF0000"/>
+                </a:solidFill>
+              </a:rPr>
+              <a:t>λ = 1Å </a:t>
+            </a:r>
+            <a:r>
+              <a:rPr lang="en-US" dirty="0"/>
+              <a:t>we select </a:t>
+            </a:r>
+            <a:r>
+              <a:rPr lang="en-US" dirty="0">
+                <a:solidFill>
+                  <a:srgbClr val="FF0000"/>
+                </a:solidFill>
+              </a:rPr>
+              <a:t>two lines </a:t>
+            </a:r>
+            <a:r>
+              <a:rPr lang="en-US" dirty="0"/>
+              <a:t>thus separated its width ∆λ = 10</a:t>
+            </a:r>
+            <a:r>
+              <a:rPr lang="en-US" baseline="30000" dirty="0"/>
+              <a:t>−4</a:t>
+            </a:r>
+            <a:r>
+              <a:rPr lang="en-US" dirty="0"/>
+              <a:t> </a:t>
+            </a:r>
+            <a:r>
+              <a:rPr lang="en-US" dirty="0" err="1"/>
+              <a:t>Å</a:t>
+            </a:r>
+            <a:br>
+              <a:rPr lang="en-US" dirty="0"/>
+            </a:br>
+            <a:endParaRPr lang="en-US" dirty="0"/>
+          </a:p>
+          <a:p>
+            <a:pPr lvl="1">
+              <a:lnSpc>
+                <a:spcPct val="90000"/>
+              </a:lnSpc>
+              <a:buFont typeface="Arial" pitchFamily="34" charset="0"/>
+              <a:buChar char="•"/>
+            </a:pPr>
+            <a:r>
+              <a:rPr lang="en-US" dirty="0"/>
+              <a:t>The </a:t>
+            </a:r>
+            <a:r>
+              <a:rPr lang="en-US" dirty="0" err="1">
+                <a:solidFill>
+                  <a:srgbClr val="FF0000"/>
+                </a:solidFill>
+              </a:rPr>
+              <a:t>wavefronts</a:t>
+            </a:r>
+            <a:r>
+              <a:rPr lang="en-US" dirty="0">
+                <a:solidFill>
+                  <a:srgbClr val="FF0000"/>
+                </a:solidFill>
+              </a:rPr>
+              <a:t> </a:t>
+            </a:r>
+            <a:r>
+              <a:rPr lang="en-US" dirty="0"/>
+              <a:t>of these two monochromatic waves </a:t>
+            </a:r>
+            <a:r>
+              <a:rPr lang="en-US" dirty="0">
+                <a:solidFill>
+                  <a:srgbClr val="FF0000"/>
+                </a:solidFill>
+              </a:rPr>
+              <a:t>are plane and identical </a:t>
+            </a:r>
+            <a:endParaRPr lang="en-US" dirty="0"/>
+          </a:p>
+          <a:p>
+            <a:endParaRPr lang="en-US" dirty="0">
+              <a:solidFill>
+                <a:srgbClr val="FF0000"/>
+              </a:solidFill>
+            </a:endParaRPr>
+          </a:p>
+          <a:p>
+            <a:r>
+              <a:rPr lang="en-US" sz="1600" dirty="0">
+                <a:solidFill>
+                  <a:srgbClr val="FF0000"/>
+                </a:solidFill>
+              </a:rPr>
+              <a:t>STATIONARY: This correlation time is much smaller than “bunch time” ~ 15 10</a:t>
+            </a:r>
+            <a:r>
+              <a:rPr lang="en-US" sz="1600" baseline="30000" dirty="0">
+                <a:solidFill>
+                  <a:srgbClr val="FF0000"/>
+                </a:solidFill>
+              </a:rPr>
+              <a:t>-3</a:t>
+            </a:r>
+            <a:r>
+              <a:rPr lang="en-US" sz="1600" dirty="0">
+                <a:solidFill>
+                  <a:srgbClr val="FF0000"/>
+                </a:solidFill>
+              </a:rPr>
+              <a:t> / c ~10</a:t>
+            </a:r>
+            <a:r>
+              <a:rPr lang="en-US" sz="1600" baseline="30000" dirty="0">
+                <a:solidFill>
+                  <a:srgbClr val="FF0000"/>
+                </a:solidFill>
+              </a:rPr>
+              <a:t>-12</a:t>
+            </a:r>
+            <a:r>
+              <a:rPr lang="en-US" sz="1600" dirty="0">
+                <a:solidFill>
+                  <a:srgbClr val="FF0000"/>
+                </a:solidFill>
+              </a:rPr>
+              <a:t> s~ </a:t>
+            </a:r>
+            <a:r>
+              <a:rPr lang="en-US" sz="1600" dirty="0" err="1">
+                <a:solidFill>
+                  <a:srgbClr val="FF0000"/>
+                </a:solidFill>
+              </a:rPr>
+              <a:t>ps</a:t>
+            </a:r>
+            <a:endParaRPr lang="en-US" sz="1600" dirty="0">
+              <a:solidFill>
+                <a:srgbClr val="FF0000"/>
+              </a:solidFill>
+            </a:endParaRPr>
+          </a:p>
+          <a:p>
+            <a:endParaRPr lang="en-US" dirty="0"/>
+          </a:p>
+        </p:txBody>
+      </p:sp>
+    </p:spTree>
+    <p:extLst>
+      <p:ext uri="{BB962C8B-B14F-4D97-AF65-F5344CB8AC3E}">
+        <p14:creationId xmlns:p14="http://schemas.microsoft.com/office/powerpoint/2010/main" val="1340768744"/>
+      </p:ext>
+    </p:extLst>
+  </p:cSld>
+  <p:clrMapOvr>
+    <a:masterClrMapping/>
+  </p:clrMapOvr>
+</p:sld>
+</file>
+
+<file path=ppt/slides/slide14.xml><?xml version="1.0" encoding="utf-8"?>
+<p:sld xmlns:a="http://schemas.openxmlformats.org/drawingml/2006/main" xmlns:r="http://schemas.openxmlformats.org/officeDocument/2006/relationships" xmlns:p="http://schemas.openxmlformats.org/presentationml/2006/main">
+  <p:cSld>
+    <p:spTree>
+      <p:nvGrpSpPr>
+        <p:cNvPr id="1" name=""/>
+        <p:cNvGrpSpPr/>
+        <p:nvPr/>
+      </p:nvGrpSpPr>
+      <p:grpSpPr>
+        <a:xfrm>
+          <a:off x="0" y="0"/>
+          <a:ext cx="0" cy="0"/>
+          <a:chOff x="0" y="0"/>
+          <a:chExt cx="0" cy="0"/>
+        </a:xfrm>
+      </p:grpSpPr>
+      <p:sp>
+        <p:nvSpPr>
+          <p:cNvPr id="2" name="Title 1"/>
+          <p:cNvSpPr>
+            <a:spLocks noGrp="1"/>
+          </p:cNvSpPr>
+          <p:nvPr>
+            <p:ph type="title"/>
+          </p:nvPr>
+        </p:nvSpPr>
+        <p:spPr/>
+        <p:txBody>
+          <a:bodyPr/>
+          <a:lstStyle/>
+          <a:p>
+            <a:r>
+              <a:rPr lang="en-US" sz="1800" dirty="0"/>
+              <a:t>LONGITUDINAL COHERENCE for a typical synchrotron</a:t>
+            </a:r>
+            <a:endParaRPr lang="en-GB" sz="1800" cap="none" dirty="0"/>
+          </a:p>
+        </p:txBody>
+      </p:sp>
+      <p:sp>
+        <p:nvSpPr>
+          <p:cNvPr id="6" name="Slide Number Placeholder 5"/>
+          <p:cNvSpPr>
+            <a:spLocks noGrp="1"/>
+          </p:cNvSpPr>
+          <p:nvPr>
+            <p:ph type="sldNum" sz="quarter" idx="15"/>
+          </p:nvPr>
+        </p:nvSpPr>
+        <p:spPr/>
+        <p:txBody>
+          <a:bodyPr/>
+          <a:lstStyle/>
+          <a:p>
+            <a:r>
+              <a:rPr lang="en-US" noProof="0"/>
+              <a:t>Page </a:t>
+            </a:r>
+            <a:fld id="{733122C9-A0B9-462F-8757-0847AD287B63}" type="slidenum">
+              <a:rPr lang="en-US" noProof="0" smtClean="0"/>
+              <a:pPr/>
+              <a:t>14</a:t>
             </a:fld>
             <a:endParaRPr lang="en-US" noProof="0"/>
           </a:p>
@@ -5440,7 +5616,7 @@
 </p:sld>
 </file>
 
-<file path=ppt/slides/slide14.xml><?xml version="1.0" encoding="utf-8"?>
+<file path=ppt/slides/slide15.xml><?xml version="1.0" encoding="utf-8"?>
 <p:sld xmlns:a="http://schemas.openxmlformats.org/drawingml/2006/main" xmlns:r="http://schemas.openxmlformats.org/officeDocument/2006/relationships" xmlns:p="http://schemas.openxmlformats.org/presentationml/2006/main">
   <p:cSld>
     <p:spTree>
@@ -5502,7 +5678,7 @@
             <a:fld id="{733122C9-A0B9-462F-8757-0847AD287B63}" type="slidenum">
               <a:rPr lang="en-US" noProof="0" smtClean="0"/>
               <a:pPr/>
-              <a:t>14</a:t>
+              <a:t>15</a:t>
             </a:fld>
             <a:endParaRPr lang="en-US" noProof="0"/>
           </a:p>
@@ -12167,6 +12343,10 @@
           <a:bodyPr/>
           <a:lstStyle/>
           <a:p>
+            <a:r>
+              <a:rPr lang="en-US" sz="2400" cap="none" dirty="0"/>
+              <a:t>Example: U17 @ 15 keV Coherence gain by closing slit</a:t>
+            </a:r>
             <a:endParaRPr lang="en-GB" sz="2400" cap="none" dirty="0"/>
           </a:p>
         </p:txBody>
@@ -12201,83 +12381,7 @@
       </p:sp>
       <p:sp>
         <p:nvSpPr>
-          <p:cNvPr id="17" name="TextBox 16">
-            <a:extLst>
-              <a:ext uri="{FF2B5EF4-FFF2-40B4-BE49-F238E27FC236}">
-                <a16:creationId xmlns:a16="http://schemas.microsoft.com/office/drawing/2014/main" id="{1ADE9718-135A-43A5-A806-290EDF657BD2}"/>
-              </a:ext>
-            </a:extLst>
-          </p:cNvPr>
-          <p:cNvSpPr txBox="1"/>
-          <p:nvPr/>
-        </p:nvSpPr>
-        <p:spPr>
-          <a:xfrm>
-            <a:off x="7524328" y="836728"/>
-            <a:ext cx="1204176" cy="369332"/>
-          </a:xfrm>
-          <a:prstGeom prst="rect">
-            <a:avLst/>
-          </a:prstGeom>
-          <a:noFill/>
-        </p:spPr>
-        <p:txBody>
-          <a:bodyPr wrap="none" rtlCol="0">
-            <a:spAutoFit/>
-          </a:bodyPr>
-          <a:lstStyle/>
-          <a:p>
-            <a:r>
-              <a:rPr lang="en-US" dirty="0" err="1"/>
-              <a:t>CFh</a:t>
-            </a:r>
-            <a:r>
-              <a:rPr lang="en-US" dirty="0"/>
-              <a:t>=0.53</a:t>
-            </a:r>
-            <a:endParaRPr lang="en-GB" dirty="0"/>
-          </a:p>
-        </p:txBody>
-      </p:sp>
-      <p:sp>
-        <p:nvSpPr>
-          <p:cNvPr id="18" name="TextBox 17">
-            <a:extLst>
-              <a:ext uri="{FF2B5EF4-FFF2-40B4-BE49-F238E27FC236}">
-                <a16:creationId xmlns:a16="http://schemas.microsoft.com/office/drawing/2014/main" id="{BBAC4C97-F13C-4E21-99E0-C0A24A85019D}"/>
-              </a:ext>
-            </a:extLst>
-          </p:cNvPr>
-          <p:cNvSpPr txBox="1"/>
-          <p:nvPr/>
-        </p:nvSpPr>
-        <p:spPr>
-          <a:xfrm>
-            <a:off x="3347864" y="2569468"/>
-            <a:ext cx="1851789" cy="369332"/>
-          </a:xfrm>
-          <a:prstGeom prst="rect">
-            <a:avLst/>
-          </a:prstGeom>
-          <a:noFill/>
-        </p:spPr>
-        <p:txBody>
-          <a:bodyPr wrap="none" rtlCol="0">
-            <a:spAutoFit/>
-          </a:bodyPr>
-          <a:lstStyle/>
-          <a:p>
-            <a:r>
-              <a:rPr lang="en-US" dirty="0"/>
-              <a:t>Additional slides</a:t>
-            </a:r>
-            <a:endParaRPr lang="en-GB" dirty="0"/>
-          </a:p>
-        </p:txBody>
-      </p:sp>
-      <p:sp>
-        <p:nvSpPr>
-          <p:cNvPr id="3" name="Footer Placeholder 2"/>
+          <p:cNvPr id="7" name="Footer Placeholder 6"/>
           <p:cNvSpPr>
             <a:spLocks noGrp="1"/>
           </p:cNvSpPr>
@@ -12294,13 +12398,74 @@
               <a:rPr lang="en-US" noProof="0"/>
               <a:t>OASYS-Coherence transport | HERCULES2025</a:t>
             </a:r>
-          </a:p>
-        </p:txBody>
-      </p:sp>
+            <a:endParaRPr lang="en-US" noProof="0" dirty="0"/>
+          </a:p>
+        </p:txBody>
+      </p:sp>
+      <p:pic>
+        <p:nvPicPr>
+          <p:cNvPr id="18" name="Picture 17">
+            <a:extLst>
+              <a:ext uri="{FF2B5EF4-FFF2-40B4-BE49-F238E27FC236}">
+                <a16:creationId xmlns:a16="http://schemas.microsoft.com/office/drawing/2014/main" id="{7C1987F8-D17A-4EE6-80EF-1236DD35B7B2}"/>
+              </a:ext>
+            </a:extLst>
+          </p:cNvPr>
+          <p:cNvPicPr>
+            <a:picLocks noChangeAspect="1"/>
+          </p:cNvPicPr>
+          <p:nvPr/>
+        </p:nvPicPr>
+        <p:blipFill>
+          <a:blip r:embed="rId2"/>
+          <a:stretch>
+            <a:fillRect/>
+          </a:stretch>
+        </p:blipFill>
+        <p:spPr>
+          <a:xfrm>
+            <a:off x="971600" y="2569468"/>
+            <a:ext cx="729362" cy="664046"/>
+          </a:xfrm>
+          <a:prstGeom prst="rect">
+            <a:avLst/>
+          </a:prstGeom>
+        </p:spPr>
+      </p:pic>
+      <p:pic>
+        <p:nvPicPr>
+          <p:cNvPr id="20" name="Picture 19">
+            <a:extLst>
+              <a:ext uri="{FF2B5EF4-FFF2-40B4-BE49-F238E27FC236}">
+                <a16:creationId xmlns:a16="http://schemas.microsoft.com/office/drawing/2014/main" id="{023D262B-85D3-49BF-9290-CC583E7B26E0}"/>
+              </a:ext>
+            </a:extLst>
+          </p:cNvPr>
+          <p:cNvPicPr>
+            <a:picLocks noChangeAspect="1"/>
+          </p:cNvPicPr>
+          <p:nvPr/>
+        </p:nvPicPr>
+        <p:blipFill>
+          <a:blip r:embed="rId3"/>
+          <a:stretch>
+            <a:fillRect/>
+          </a:stretch>
+        </p:blipFill>
+        <p:spPr>
+          <a:xfrm>
+            <a:off x="2532324" y="1115632"/>
+            <a:ext cx="5352043" cy="3878657"/>
+          </a:xfrm>
+          <a:prstGeom prst="rect">
+            <a:avLst/>
+          </a:prstGeom>
+        </p:spPr>
+      </p:pic>
     </p:spTree>
     <p:extLst>
       <p:ext uri="{BB962C8B-B14F-4D97-AF65-F5344CB8AC3E}">
-        <p14:creationId xmlns:p14="http://schemas.microsoft.com/office/powerpoint/2010/main" val="230473379"/>
+        <p14:creationId xmlns:p14="http://schemas.microsoft.com/office/powerpoint/2010/main" val="2148741132"/>
       </p:ext>
     </p:extLst>
   </p:cSld>

--- a/hercules2025_D_coherence_transport.pptx
+++ b/hercules2025_D_coherence_transport.pptx
@@ -248,7 +248,7 @@
             <a:fld id="{D680E798-53FF-4C51-A981-953463752515}" type="datetimeFigureOut">
               <a:rPr lang="fr-FR" smtClean="0"/>
               <a:pPr/>
-              <a:t>11/03/2025</a:t>
+              <a:t>20/03/2025</a:t>
             </a:fld>
             <a:endParaRPr lang="fr-FR"/>
           </a:p>
@@ -7825,6 +7825,36 @@
           <a:chExt cx="0" cy="0"/>
         </a:xfrm>
       </p:grpSpPr>
+      <p:pic>
+        <p:nvPicPr>
+          <p:cNvPr id="5" name="Picture 4">
+            <a:extLst>
+              <a:ext uri="{FF2B5EF4-FFF2-40B4-BE49-F238E27FC236}">
+                <a16:creationId xmlns:a16="http://schemas.microsoft.com/office/drawing/2014/main" id="{2BCA1072-A7FE-4683-B695-A3F213BA2F2D}"/>
+              </a:ext>
+            </a:extLst>
+          </p:cNvPr>
+          <p:cNvPicPr>
+            <a:picLocks noChangeAspect="1"/>
+          </p:cNvPicPr>
+          <p:nvPr/>
+        </p:nvPicPr>
+        <p:blipFill>
+          <a:blip r:embed="rId2"/>
+          <a:stretch>
+            <a:fillRect/>
+          </a:stretch>
+        </p:blipFill>
+        <p:spPr>
+          <a:xfrm>
+            <a:off x="4845600" y="2620874"/>
+            <a:ext cx="847843" cy="523948"/>
+          </a:xfrm>
+          <a:prstGeom prst="rect">
+            <a:avLst/>
+          </a:prstGeom>
+        </p:spPr>
+      </p:pic>
       <p:sp>
         <p:nvSpPr>
           <p:cNvPr id="2" name="Title 1"/>
@@ -7966,7 +7996,7 @@
           <p:nvPr/>
         </p:nvPicPr>
         <p:blipFill>
-          <a:blip r:embed="rId2" cstate="print"/>
+          <a:blip r:embed="rId3" cstate="print"/>
           <a:srcRect/>
           <a:stretch>
             <a:fillRect/>
@@ -8132,7 +8162,7 @@
             <p:nvPr/>
           </p:nvPicPr>
           <p:blipFill>
-            <a:blip r:embed="rId3" cstate="print"/>
+            <a:blip r:embed="rId4" cstate="print"/>
             <a:srcRect/>
             <a:stretch>
               <a:fillRect/>
@@ -8345,6 +8375,140 @@
           </a:p>
         </p:txBody>
       </p:sp>
+      <p:sp>
+        <p:nvSpPr>
+          <p:cNvPr id="13" name="Rectangle 12">
+            <a:extLst>
+              <a:ext uri="{FF2B5EF4-FFF2-40B4-BE49-F238E27FC236}">
+                <a16:creationId xmlns:a16="http://schemas.microsoft.com/office/drawing/2014/main" id="{5FAF87F4-2EE2-48DD-A5C7-04874C79A24B}"/>
+              </a:ext>
+            </a:extLst>
+          </p:cNvPr>
+          <p:cNvSpPr/>
+          <p:nvPr/>
+        </p:nvSpPr>
+        <p:spPr>
+          <a:xfrm>
+            <a:off x="4800560" y="2620874"/>
+            <a:ext cx="952500" cy="554567"/>
+          </a:xfrm>
+          <a:prstGeom prst="rect">
+            <a:avLst/>
+          </a:prstGeom>
+          <a:noFill/>
+          <a:ln>
+            <a:solidFill>
+              <a:srgbClr val="FF0000"/>
+            </a:solidFill>
+          </a:ln>
+        </p:spPr>
+        <p:style>
+          <a:lnRef idx="2">
+            <a:schemeClr val="accent1">
+              <a:shade val="50000"/>
+            </a:schemeClr>
+          </a:lnRef>
+          <a:fillRef idx="1">
+            <a:schemeClr val="accent1"/>
+          </a:fillRef>
+          <a:effectRef idx="0">
+            <a:schemeClr val="accent1"/>
+          </a:effectRef>
+          <a:fontRef idx="minor">
+            <a:schemeClr val="lt1"/>
+          </a:fontRef>
+        </p:style>
+        <p:txBody>
+          <a:bodyPr rtlCol="0" anchor="ctr"/>
+          <a:lstStyle/>
+          <a:p>
+            <a:pPr algn="ctr"/>
+            <a:endParaRPr lang="en-US" sz="1500"/>
+          </a:p>
+        </p:txBody>
+      </p:sp>
+      <p:sp>
+        <p:nvSpPr>
+          <p:cNvPr id="15" name="Rectangle 14">
+            <a:extLst>
+              <a:ext uri="{FF2B5EF4-FFF2-40B4-BE49-F238E27FC236}">
+                <a16:creationId xmlns:a16="http://schemas.microsoft.com/office/drawing/2014/main" id="{98719FDE-7386-4992-9B15-2042F2543620}"/>
+              </a:ext>
+            </a:extLst>
+          </p:cNvPr>
+          <p:cNvSpPr/>
+          <p:nvPr/>
+        </p:nvSpPr>
+        <p:spPr>
+          <a:xfrm>
+            <a:off x="4674884" y="4775014"/>
+            <a:ext cx="952500" cy="554567"/>
+          </a:xfrm>
+          <a:prstGeom prst="rect">
+            <a:avLst/>
+          </a:prstGeom>
+          <a:noFill/>
+          <a:ln>
+            <a:solidFill>
+              <a:srgbClr val="FF0000"/>
+            </a:solidFill>
+          </a:ln>
+        </p:spPr>
+        <p:style>
+          <a:lnRef idx="2">
+            <a:schemeClr val="accent1">
+              <a:shade val="50000"/>
+            </a:schemeClr>
+          </a:lnRef>
+          <a:fillRef idx="1">
+            <a:schemeClr val="accent1"/>
+          </a:fillRef>
+          <a:effectRef idx="0">
+            <a:schemeClr val="accent1"/>
+          </a:effectRef>
+          <a:fontRef idx="minor">
+            <a:schemeClr val="lt1"/>
+          </a:fontRef>
+        </p:style>
+        <p:txBody>
+          <a:bodyPr rtlCol="0" anchor="ctr"/>
+          <a:lstStyle/>
+          <a:p>
+            <a:pPr algn="ctr"/>
+            <a:endParaRPr lang="en-US" sz="1500"/>
+          </a:p>
+        </p:txBody>
+      </p:sp>
+      <p:pic>
+        <p:nvPicPr>
+          <p:cNvPr id="14" name="Picture 13">
+            <a:extLst>
+              <a:ext uri="{FF2B5EF4-FFF2-40B4-BE49-F238E27FC236}">
+                <a16:creationId xmlns:a16="http://schemas.microsoft.com/office/drawing/2014/main" id="{9E0A375A-A551-44CA-9A87-150EE4AAF090}"/>
+              </a:ext>
+            </a:extLst>
+          </p:cNvPr>
+          <p:cNvPicPr>
+            <a:picLocks noChangeAspect="1"/>
+          </p:cNvPicPr>
+          <p:nvPr/>
+        </p:nvPicPr>
+        <p:blipFill>
+          <a:blip r:embed="rId5"/>
+          <a:stretch>
+            <a:fillRect/>
+          </a:stretch>
+        </p:blipFill>
+        <p:spPr>
+          <a:xfrm>
+            <a:off x="4788024" y="4853362"/>
+            <a:ext cx="733527" cy="419158"/>
+          </a:xfrm>
+          <a:prstGeom prst="rect">
+            <a:avLst/>
+          </a:prstGeom>
+        </p:spPr>
+      </p:pic>
     </p:spTree>
     <p:extLst>
       <p:ext uri="{BB962C8B-B14F-4D97-AF65-F5344CB8AC3E}">
@@ -11101,50 +11265,6 @@
           </a:p>
         </p:txBody>
       </p:sp>
-      <p:sp>
-        <p:nvSpPr>
-          <p:cNvPr id="3" name="TextBox 2">
-            <a:extLst>
-              <a:ext uri="{FF2B5EF4-FFF2-40B4-BE49-F238E27FC236}">
-                <a16:creationId xmlns:a16="http://schemas.microsoft.com/office/drawing/2014/main" id="{CE8E65FC-D105-4115-ACD4-EEB6815CFCED}"/>
-              </a:ext>
-            </a:extLst>
-          </p:cNvPr>
-          <p:cNvSpPr txBox="1"/>
-          <p:nvPr/>
-        </p:nvSpPr>
-        <p:spPr>
-          <a:xfrm>
-            <a:off x="3563888" y="4975012"/>
-            <a:ext cx="413559" cy="276999"/>
-          </a:xfrm>
-          <a:prstGeom prst="rect">
-            <a:avLst/>
-          </a:prstGeom>
-          <a:noFill/>
-        </p:spPr>
-        <p:txBody>
-          <a:bodyPr wrap="square" rtlCol="0">
-            <a:spAutoFit/>
-          </a:bodyPr>
-          <a:lstStyle/>
-          <a:p>
-            <a:r>
-              <a:rPr lang="en-US" baseline="30000" dirty="0">
-                <a:solidFill>
-                  <a:srgbClr val="002060"/>
-                </a:solidFill>
-              </a:rPr>
-              <a:t>1)</a:t>
-            </a:r>
-            <a:endParaRPr lang="en-GB" baseline="30000" dirty="0">
-              <a:solidFill>
-                <a:srgbClr val="002060"/>
-              </a:solidFill>
-            </a:endParaRPr>
-          </a:p>
-        </p:txBody>
-      </p:sp>
       <p:pic>
         <p:nvPicPr>
           <p:cNvPr id="4" name="Picture 3">
@@ -11167,7 +11287,7 @@
         </p:blipFill>
         <p:spPr>
           <a:xfrm>
-            <a:off x="3812483" y="4919631"/>
+            <a:off x="6003447" y="1345332"/>
             <a:ext cx="2970817" cy="819178"/>
           </a:xfrm>
           <a:prstGeom prst="rect">
@@ -11185,6 +11305,1428 @@
   <p:clrMapOvr>
     <a:masterClrMapping/>
   </p:clrMapOvr>
+  <p:timing>
+    <p:tnLst>
+      <p:par>
+        <p:cTn id="1" dur="indefinite" restart="never" nodeType="tmRoot">
+          <p:childTnLst>
+            <p:seq concurrent="1" nextAc="seek">
+              <p:cTn id="2" dur="indefinite" nodeType="mainSeq">
+                <p:childTnLst>
+                  <p:par>
+                    <p:cTn id="3" fill="hold">
+                      <p:stCondLst>
+                        <p:cond delay="indefinite"/>
+                      </p:stCondLst>
+                      <p:childTnLst>
+                        <p:par>
+                          <p:cTn id="4" fill="hold">
+                            <p:stCondLst>
+                              <p:cond delay="0"/>
+                            </p:stCondLst>
+                            <p:childTnLst>
+                              <p:par>
+                                <p:cTn id="5" presetID="2" presetClass="entr" presetSubtype="4" fill="hold" grpId="0" nodeType="clickEffect">
+                                  <p:stCondLst>
+                                    <p:cond delay="0"/>
+                                  </p:stCondLst>
+                                  <p:childTnLst>
+                                    <p:set>
+                                      <p:cBhvr>
+                                        <p:cTn id="6" dur="1" fill="hold">
+                                          <p:stCondLst>
+                                            <p:cond delay="0"/>
+                                          </p:stCondLst>
+                                        </p:cTn>
+                                        <p:tgtEl>
+                                          <p:spTgt spid="57">
+                                            <p:txEl>
+                                              <p:pRg st="1" end="1"/>
+                                            </p:txEl>
+                                          </p:spTgt>
+                                        </p:tgtEl>
+                                        <p:attrNameLst>
+                                          <p:attrName>style.visibility</p:attrName>
+                                        </p:attrNameLst>
+                                      </p:cBhvr>
+                                      <p:to>
+                                        <p:strVal val="visible"/>
+                                      </p:to>
+                                    </p:set>
+                                    <p:anim calcmode="lin" valueType="num">
+                                      <p:cBhvr additive="base">
+                                        <p:cTn id="7" dur="500" fill="hold"/>
+                                        <p:tgtEl>
+                                          <p:spTgt spid="57">
+                                            <p:txEl>
+                                              <p:pRg st="1" end="1"/>
+                                            </p:txEl>
+                                          </p:spTgt>
+                                        </p:tgtEl>
+                                        <p:attrNameLst>
+                                          <p:attrName>ppt_x</p:attrName>
+                                        </p:attrNameLst>
+                                      </p:cBhvr>
+                                      <p:tavLst>
+                                        <p:tav tm="0">
+                                          <p:val>
+                                            <p:strVal val="#ppt_x"/>
+                                          </p:val>
+                                        </p:tav>
+                                        <p:tav tm="100000">
+                                          <p:val>
+                                            <p:strVal val="#ppt_x"/>
+                                          </p:val>
+                                        </p:tav>
+                                      </p:tavLst>
+                                    </p:anim>
+                                    <p:anim calcmode="lin" valueType="num">
+                                      <p:cBhvr additive="base">
+                                        <p:cTn id="8" dur="500" fill="hold"/>
+                                        <p:tgtEl>
+                                          <p:spTgt spid="57">
+                                            <p:txEl>
+                                              <p:pRg st="1" end="1"/>
+                                            </p:txEl>
+                                          </p:spTgt>
+                                        </p:tgtEl>
+                                        <p:attrNameLst>
+                                          <p:attrName>ppt_y</p:attrName>
+                                        </p:attrNameLst>
+                                      </p:cBhvr>
+                                      <p:tavLst>
+                                        <p:tav tm="0">
+                                          <p:val>
+                                            <p:strVal val="1+#ppt_h/2"/>
+                                          </p:val>
+                                        </p:tav>
+                                        <p:tav tm="100000">
+                                          <p:val>
+                                            <p:strVal val="#ppt_y"/>
+                                          </p:val>
+                                        </p:tav>
+                                      </p:tavLst>
+                                    </p:anim>
+                                  </p:childTnLst>
+                                </p:cTn>
+                              </p:par>
+                            </p:childTnLst>
+                          </p:cTn>
+                        </p:par>
+                      </p:childTnLst>
+                    </p:cTn>
+                  </p:par>
+                  <p:par>
+                    <p:cTn id="9" fill="hold">
+                      <p:stCondLst>
+                        <p:cond delay="indefinite"/>
+                      </p:stCondLst>
+                      <p:childTnLst>
+                        <p:par>
+                          <p:cTn id="10" fill="hold">
+                            <p:stCondLst>
+                              <p:cond delay="0"/>
+                            </p:stCondLst>
+                            <p:childTnLst>
+                              <p:par>
+                                <p:cTn id="11" presetID="2" presetClass="entr" presetSubtype="4" fill="hold" grpId="0" nodeType="clickEffect">
+                                  <p:stCondLst>
+                                    <p:cond delay="0"/>
+                                  </p:stCondLst>
+                                  <p:childTnLst>
+                                    <p:set>
+                                      <p:cBhvr>
+                                        <p:cTn id="12" dur="1" fill="hold">
+                                          <p:stCondLst>
+                                            <p:cond delay="0"/>
+                                          </p:stCondLst>
+                                        </p:cTn>
+                                        <p:tgtEl>
+                                          <p:spTgt spid="57">
+                                            <p:txEl>
+                                              <p:pRg st="2" end="2"/>
+                                            </p:txEl>
+                                          </p:spTgt>
+                                        </p:tgtEl>
+                                        <p:attrNameLst>
+                                          <p:attrName>style.visibility</p:attrName>
+                                        </p:attrNameLst>
+                                      </p:cBhvr>
+                                      <p:to>
+                                        <p:strVal val="visible"/>
+                                      </p:to>
+                                    </p:set>
+                                    <p:anim calcmode="lin" valueType="num">
+                                      <p:cBhvr additive="base">
+                                        <p:cTn id="13" dur="500" fill="hold"/>
+                                        <p:tgtEl>
+                                          <p:spTgt spid="57">
+                                            <p:txEl>
+                                              <p:pRg st="2" end="2"/>
+                                            </p:txEl>
+                                          </p:spTgt>
+                                        </p:tgtEl>
+                                        <p:attrNameLst>
+                                          <p:attrName>ppt_x</p:attrName>
+                                        </p:attrNameLst>
+                                      </p:cBhvr>
+                                      <p:tavLst>
+                                        <p:tav tm="0">
+                                          <p:val>
+                                            <p:strVal val="#ppt_x"/>
+                                          </p:val>
+                                        </p:tav>
+                                        <p:tav tm="100000">
+                                          <p:val>
+                                            <p:strVal val="#ppt_x"/>
+                                          </p:val>
+                                        </p:tav>
+                                      </p:tavLst>
+                                    </p:anim>
+                                    <p:anim calcmode="lin" valueType="num">
+                                      <p:cBhvr additive="base">
+                                        <p:cTn id="14" dur="500" fill="hold"/>
+                                        <p:tgtEl>
+                                          <p:spTgt spid="57">
+                                            <p:txEl>
+                                              <p:pRg st="2" end="2"/>
+                                            </p:txEl>
+                                          </p:spTgt>
+                                        </p:tgtEl>
+                                        <p:attrNameLst>
+                                          <p:attrName>ppt_y</p:attrName>
+                                        </p:attrNameLst>
+                                      </p:cBhvr>
+                                      <p:tavLst>
+                                        <p:tav tm="0">
+                                          <p:val>
+                                            <p:strVal val="1+#ppt_h/2"/>
+                                          </p:val>
+                                        </p:tav>
+                                        <p:tav tm="100000">
+                                          <p:val>
+                                            <p:strVal val="#ppt_y"/>
+                                          </p:val>
+                                        </p:tav>
+                                      </p:tavLst>
+                                    </p:anim>
+                                  </p:childTnLst>
+                                </p:cTn>
+                              </p:par>
+                            </p:childTnLst>
+                          </p:cTn>
+                        </p:par>
+                      </p:childTnLst>
+                    </p:cTn>
+                  </p:par>
+                  <p:par>
+                    <p:cTn id="15" fill="hold">
+                      <p:stCondLst>
+                        <p:cond delay="indefinite"/>
+                      </p:stCondLst>
+                      <p:childTnLst>
+                        <p:par>
+                          <p:cTn id="16" fill="hold">
+                            <p:stCondLst>
+                              <p:cond delay="0"/>
+                            </p:stCondLst>
+                            <p:childTnLst>
+                              <p:par>
+                                <p:cTn id="17" presetID="2" presetClass="entr" presetSubtype="4" fill="hold" grpId="0" nodeType="clickEffect">
+                                  <p:stCondLst>
+                                    <p:cond delay="0"/>
+                                  </p:stCondLst>
+                                  <p:childTnLst>
+                                    <p:set>
+                                      <p:cBhvr>
+                                        <p:cTn id="18" dur="1" fill="hold">
+                                          <p:stCondLst>
+                                            <p:cond delay="0"/>
+                                          </p:stCondLst>
+                                        </p:cTn>
+                                        <p:tgtEl>
+                                          <p:spTgt spid="57">
+                                            <p:txEl>
+                                              <p:pRg st="3" end="3"/>
+                                            </p:txEl>
+                                          </p:spTgt>
+                                        </p:tgtEl>
+                                        <p:attrNameLst>
+                                          <p:attrName>style.visibility</p:attrName>
+                                        </p:attrNameLst>
+                                      </p:cBhvr>
+                                      <p:to>
+                                        <p:strVal val="visible"/>
+                                      </p:to>
+                                    </p:set>
+                                    <p:anim calcmode="lin" valueType="num">
+                                      <p:cBhvr additive="base">
+                                        <p:cTn id="19" dur="500" fill="hold"/>
+                                        <p:tgtEl>
+                                          <p:spTgt spid="57">
+                                            <p:txEl>
+                                              <p:pRg st="3" end="3"/>
+                                            </p:txEl>
+                                          </p:spTgt>
+                                        </p:tgtEl>
+                                        <p:attrNameLst>
+                                          <p:attrName>ppt_x</p:attrName>
+                                        </p:attrNameLst>
+                                      </p:cBhvr>
+                                      <p:tavLst>
+                                        <p:tav tm="0">
+                                          <p:val>
+                                            <p:strVal val="#ppt_x"/>
+                                          </p:val>
+                                        </p:tav>
+                                        <p:tav tm="100000">
+                                          <p:val>
+                                            <p:strVal val="#ppt_x"/>
+                                          </p:val>
+                                        </p:tav>
+                                      </p:tavLst>
+                                    </p:anim>
+                                    <p:anim calcmode="lin" valueType="num">
+                                      <p:cBhvr additive="base">
+                                        <p:cTn id="20" dur="500" fill="hold"/>
+                                        <p:tgtEl>
+                                          <p:spTgt spid="57">
+                                            <p:txEl>
+                                              <p:pRg st="3" end="3"/>
+                                            </p:txEl>
+                                          </p:spTgt>
+                                        </p:tgtEl>
+                                        <p:attrNameLst>
+                                          <p:attrName>ppt_y</p:attrName>
+                                        </p:attrNameLst>
+                                      </p:cBhvr>
+                                      <p:tavLst>
+                                        <p:tav tm="0">
+                                          <p:val>
+                                            <p:strVal val="1+#ppt_h/2"/>
+                                          </p:val>
+                                        </p:tav>
+                                        <p:tav tm="100000">
+                                          <p:val>
+                                            <p:strVal val="#ppt_y"/>
+                                          </p:val>
+                                        </p:tav>
+                                      </p:tavLst>
+                                    </p:anim>
+                                  </p:childTnLst>
+                                </p:cTn>
+                              </p:par>
+                              <p:par>
+                                <p:cTn id="21" presetID="2" presetClass="entr" presetSubtype="4" fill="hold" grpId="0" nodeType="withEffect">
+                                  <p:stCondLst>
+                                    <p:cond delay="0"/>
+                                  </p:stCondLst>
+                                  <p:childTnLst>
+                                    <p:set>
+                                      <p:cBhvr>
+                                        <p:cTn id="22" dur="1" fill="hold">
+                                          <p:stCondLst>
+                                            <p:cond delay="0"/>
+                                          </p:stCondLst>
+                                        </p:cTn>
+                                        <p:tgtEl>
+                                          <p:spTgt spid="57">
+                                            <p:txEl>
+                                              <p:pRg st="4" end="4"/>
+                                            </p:txEl>
+                                          </p:spTgt>
+                                        </p:tgtEl>
+                                        <p:attrNameLst>
+                                          <p:attrName>style.visibility</p:attrName>
+                                        </p:attrNameLst>
+                                      </p:cBhvr>
+                                      <p:to>
+                                        <p:strVal val="visible"/>
+                                      </p:to>
+                                    </p:set>
+                                    <p:anim calcmode="lin" valueType="num">
+                                      <p:cBhvr additive="base">
+                                        <p:cTn id="23" dur="500" fill="hold"/>
+                                        <p:tgtEl>
+                                          <p:spTgt spid="57">
+                                            <p:txEl>
+                                              <p:pRg st="4" end="4"/>
+                                            </p:txEl>
+                                          </p:spTgt>
+                                        </p:tgtEl>
+                                        <p:attrNameLst>
+                                          <p:attrName>ppt_x</p:attrName>
+                                        </p:attrNameLst>
+                                      </p:cBhvr>
+                                      <p:tavLst>
+                                        <p:tav tm="0">
+                                          <p:val>
+                                            <p:strVal val="#ppt_x"/>
+                                          </p:val>
+                                        </p:tav>
+                                        <p:tav tm="100000">
+                                          <p:val>
+                                            <p:strVal val="#ppt_x"/>
+                                          </p:val>
+                                        </p:tav>
+                                      </p:tavLst>
+                                    </p:anim>
+                                    <p:anim calcmode="lin" valueType="num">
+                                      <p:cBhvr additive="base">
+                                        <p:cTn id="24" dur="500" fill="hold"/>
+                                        <p:tgtEl>
+                                          <p:spTgt spid="57">
+                                            <p:txEl>
+                                              <p:pRg st="4" end="4"/>
+                                            </p:txEl>
+                                          </p:spTgt>
+                                        </p:tgtEl>
+                                        <p:attrNameLst>
+                                          <p:attrName>ppt_y</p:attrName>
+                                        </p:attrNameLst>
+                                      </p:cBhvr>
+                                      <p:tavLst>
+                                        <p:tav tm="0">
+                                          <p:val>
+                                            <p:strVal val="1+#ppt_h/2"/>
+                                          </p:val>
+                                        </p:tav>
+                                        <p:tav tm="100000">
+                                          <p:val>
+                                            <p:strVal val="#ppt_y"/>
+                                          </p:val>
+                                        </p:tav>
+                                      </p:tavLst>
+                                    </p:anim>
+                                  </p:childTnLst>
+                                </p:cTn>
+                              </p:par>
+                              <p:par>
+                                <p:cTn id="25" presetID="2" presetClass="entr" presetSubtype="4" fill="hold" grpId="0" nodeType="withEffect">
+                                  <p:stCondLst>
+                                    <p:cond delay="0"/>
+                                  </p:stCondLst>
+                                  <p:childTnLst>
+                                    <p:set>
+                                      <p:cBhvr>
+                                        <p:cTn id="26" dur="1" fill="hold">
+                                          <p:stCondLst>
+                                            <p:cond delay="0"/>
+                                          </p:stCondLst>
+                                        </p:cTn>
+                                        <p:tgtEl>
+                                          <p:spTgt spid="57">
+                                            <p:txEl>
+                                              <p:pRg st="5" end="5"/>
+                                            </p:txEl>
+                                          </p:spTgt>
+                                        </p:tgtEl>
+                                        <p:attrNameLst>
+                                          <p:attrName>style.visibility</p:attrName>
+                                        </p:attrNameLst>
+                                      </p:cBhvr>
+                                      <p:to>
+                                        <p:strVal val="visible"/>
+                                      </p:to>
+                                    </p:set>
+                                    <p:anim calcmode="lin" valueType="num">
+                                      <p:cBhvr additive="base">
+                                        <p:cTn id="27" dur="500" fill="hold"/>
+                                        <p:tgtEl>
+                                          <p:spTgt spid="57">
+                                            <p:txEl>
+                                              <p:pRg st="5" end="5"/>
+                                            </p:txEl>
+                                          </p:spTgt>
+                                        </p:tgtEl>
+                                        <p:attrNameLst>
+                                          <p:attrName>ppt_x</p:attrName>
+                                        </p:attrNameLst>
+                                      </p:cBhvr>
+                                      <p:tavLst>
+                                        <p:tav tm="0">
+                                          <p:val>
+                                            <p:strVal val="#ppt_x"/>
+                                          </p:val>
+                                        </p:tav>
+                                        <p:tav tm="100000">
+                                          <p:val>
+                                            <p:strVal val="#ppt_x"/>
+                                          </p:val>
+                                        </p:tav>
+                                      </p:tavLst>
+                                    </p:anim>
+                                    <p:anim calcmode="lin" valueType="num">
+                                      <p:cBhvr additive="base">
+                                        <p:cTn id="28" dur="500" fill="hold"/>
+                                        <p:tgtEl>
+                                          <p:spTgt spid="57">
+                                            <p:txEl>
+                                              <p:pRg st="5" end="5"/>
+                                            </p:txEl>
+                                          </p:spTgt>
+                                        </p:tgtEl>
+                                        <p:attrNameLst>
+                                          <p:attrName>ppt_y</p:attrName>
+                                        </p:attrNameLst>
+                                      </p:cBhvr>
+                                      <p:tavLst>
+                                        <p:tav tm="0">
+                                          <p:val>
+                                            <p:strVal val="1+#ppt_h/2"/>
+                                          </p:val>
+                                        </p:tav>
+                                        <p:tav tm="100000">
+                                          <p:val>
+                                            <p:strVal val="#ppt_y"/>
+                                          </p:val>
+                                        </p:tav>
+                                      </p:tavLst>
+                                    </p:anim>
+                                  </p:childTnLst>
+                                </p:cTn>
+                              </p:par>
+                            </p:childTnLst>
+                          </p:cTn>
+                        </p:par>
+                      </p:childTnLst>
+                    </p:cTn>
+                  </p:par>
+                  <p:par>
+                    <p:cTn id="29" fill="hold">
+                      <p:stCondLst>
+                        <p:cond delay="indefinite"/>
+                      </p:stCondLst>
+                      <p:childTnLst>
+                        <p:par>
+                          <p:cTn id="30" fill="hold">
+                            <p:stCondLst>
+                              <p:cond delay="0"/>
+                            </p:stCondLst>
+                            <p:childTnLst>
+                              <p:par>
+                                <p:cTn id="31" presetID="2" presetClass="entr" presetSubtype="4" fill="hold" nodeType="clickEffect">
+                                  <p:stCondLst>
+                                    <p:cond delay="0"/>
+                                  </p:stCondLst>
+                                  <p:childTnLst>
+                                    <p:set>
+                                      <p:cBhvr>
+                                        <p:cTn id="32" dur="1" fill="hold">
+                                          <p:stCondLst>
+                                            <p:cond delay="0"/>
+                                          </p:stCondLst>
+                                        </p:cTn>
+                                        <p:tgtEl>
+                                          <p:spTgt spid="4"/>
+                                        </p:tgtEl>
+                                        <p:attrNameLst>
+                                          <p:attrName>style.visibility</p:attrName>
+                                        </p:attrNameLst>
+                                      </p:cBhvr>
+                                      <p:to>
+                                        <p:strVal val="visible"/>
+                                      </p:to>
+                                    </p:set>
+                                    <p:anim calcmode="lin" valueType="num">
+                                      <p:cBhvr additive="base">
+                                        <p:cTn id="33" dur="500" fill="hold"/>
+                                        <p:tgtEl>
+                                          <p:spTgt spid="4"/>
+                                        </p:tgtEl>
+                                        <p:attrNameLst>
+                                          <p:attrName>ppt_x</p:attrName>
+                                        </p:attrNameLst>
+                                      </p:cBhvr>
+                                      <p:tavLst>
+                                        <p:tav tm="0">
+                                          <p:val>
+                                            <p:strVal val="#ppt_x"/>
+                                          </p:val>
+                                        </p:tav>
+                                        <p:tav tm="100000">
+                                          <p:val>
+                                            <p:strVal val="#ppt_x"/>
+                                          </p:val>
+                                        </p:tav>
+                                      </p:tavLst>
+                                    </p:anim>
+                                    <p:anim calcmode="lin" valueType="num">
+                                      <p:cBhvr additive="base">
+                                        <p:cTn id="34" dur="500" fill="hold"/>
+                                        <p:tgtEl>
+                                          <p:spTgt spid="4"/>
+                                        </p:tgtEl>
+                                        <p:attrNameLst>
+                                          <p:attrName>ppt_y</p:attrName>
+                                        </p:attrNameLst>
+                                      </p:cBhvr>
+                                      <p:tavLst>
+                                        <p:tav tm="0">
+                                          <p:val>
+                                            <p:strVal val="1+#ppt_h/2"/>
+                                          </p:val>
+                                        </p:tav>
+                                        <p:tav tm="100000">
+                                          <p:val>
+                                            <p:strVal val="#ppt_y"/>
+                                          </p:val>
+                                        </p:tav>
+                                      </p:tavLst>
+                                    </p:anim>
+                                  </p:childTnLst>
+                                </p:cTn>
+                              </p:par>
+                              <p:par>
+                                <p:cTn id="35" presetID="2" presetClass="entr" presetSubtype="4" fill="hold" grpId="0" nodeType="withEffect">
+                                  <p:stCondLst>
+                                    <p:cond delay="0"/>
+                                  </p:stCondLst>
+                                  <p:childTnLst>
+                                    <p:set>
+                                      <p:cBhvr>
+                                        <p:cTn id="36" dur="1" fill="hold">
+                                          <p:stCondLst>
+                                            <p:cond delay="0"/>
+                                          </p:stCondLst>
+                                        </p:cTn>
+                                        <p:tgtEl>
+                                          <p:spTgt spid="57">
+                                            <p:txEl>
+                                              <p:pRg st="6" end="6"/>
+                                            </p:txEl>
+                                          </p:spTgt>
+                                        </p:tgtEl>
+                                        <p:attrNameLst>
+                                          <p:attrName>style.visibility</p:attrName>
+                                        </p:attrNameLst>
+                                      </p:cBhvr>
+                                      <p:to>
+                                        <p:strVal val="visible"/>
+                                      </p:to>
+                                    </p:set>
+                                    <p:anim calcmode="lin" valueType="num">
+                                      <p:cBhvr additive="base">
+                                        <p:cTn id="37" dur="500" fill="hold"/>
+                                        <p:tgtEl>
+                                          <p:spTgt spid="57">
+                                            <p:txEl>
+                                              <p:pRg st="6" end="6"/>
+                                            </p:txEl>
+                                          </p:spTgt>
+                                        </p:tgtEl>
+                                        <p:attrNameLst>
+                                          <p:attrName>ppt_x</p:attrName>
+                                        </p:attrNameLst>
+                                      </p:cBhvr>
+                                      <p:tavLst>
+                                        <p:tav tm="0">
+                                          <p:val>
+                                            <p:strVal val="#ppt_x"/>
+                                          </p:val>
+                                        </p:tav>
+                                        <p:tav tm="100000">
+                                          <p:val>
+                                            <p:strVal val="#ppt_x"/>
+                                          </p:val>
+                                        </p:tav>
+                                      </p:tavLst>
+                                    </p:anim>
+                                    <p:anim calcmode="lin" valueType="num">
+                                      <p:cBhvr additive="base">
+                                        <p:cTn id="38" dur="500" fill="hold"/>
+                                        <p:tgtEl>
+                                          <p:spTgt spid="57">
+                                            <p:txEl>
+                                              <p:pRg st="6" end="6"/>
+                                            </p:txEl>
+                                          </p:spTgt>
+                                        </p:tgtEl>
+                                        <p:attrNameLst>
+                                          <p:attrName>ppt_y</p:attrName>
+                                        </p:attrNameLst>
+                                      </p:cBhvr>
+                                      <p:tavLst>
+                                        <p:tav tm="0">
+                                          <p:val>
+                                            <p:strVal val="1+#ppt_h/2"/>
+                                          </p:val>
+                                        </p:tav>
+                                        <p:tav tm="100000">
+                                          <p:val>
+                                            <p:strVal val="#ppt_y"/>
+                                          </p:val>
+                                        </p:tav>
+                                      </p:tavLst>
+                                    </p:anim>
+                                  </p:childTnLst>
+                                </p:cTn>
+                              </p:par>
+                            </p:childTnLst>
+                          </p:cTn>
+                        </p:par>
+                      </p:childTnLst>
+                    </p:cTn>
+                  </p:par>
+                  <p:par>
+                    <p:cTn id="39" fill="hold">
+                      <p:stCondLst>
+                        <p:cond delay="indefinite"/>
+                      </p:stCondLst>
+                      <p:childTnLst>
+                        <p:par>
+                          <p:cTn id="40" fill="hold">
+                            <p:stCondLst>
+                              <p:cond delay="0"/>
+                            </p:stCondLst>
+                            <p:childTnLst>
+                              <p:par>
+                                <p:cTn id="41" presetID="2" presetClass="entr" presetSubtype="4" fill="hold" grpId="0" nodeType="clickEffect">
+                                  <p:stCondLst>
+                                    <p:cond delay="0"/>
+                                  </p:stCondLst>
+                                  <p:childTnLst>
+                                    <p:set>
+                                      <p:cBhvr>
+                                        <p:cTn id="42" dur="1" fill="hold">
+                                          <p:stCondLst>
+                                            <p:cond delay="0"/>
+                                          </p:stCondLst>
+                                        </p:cTn>
+                                        <p:tgtEl>
+                                          <p:spTgt spid="57">
+                                            <p:txEl>
+                                              <p:pRg st="7" end="7"/>
+                                            </p:txEl>
+                                          </p:spTgt>
+                                        </p:tgtEl>
+                                        <p:attrNameLst>
+                                          <p:attrName>style.visibility</p:attrName>
+                                        </p:attrNameLst>
+                                      </p:cBhvr>
+                                      <p:to>
+                                        <p:strVal val="visible"/>
+                                      </p:to>
+                                    </p:set>
+                                    <p:anim calcmode="lin" valueType="num">
+                                      <p:cBhvr additive="base">
+                                        <p:cTn id="43" dur="500" fill="hold"/>
+                                        <p:tgtEl>
+                                          <p:spTgt spid="57">
+                                            <p:txEl>
+                                              <p:pRg st="7" end="7"/>
+                                            </p:txEl>
+                                          </p:spTgt>
+                                        </p:tgtEl>
+                                        <p:attrNameLst>
+                                          <p:attrName>ppt_x</p:attrName>
+                                        </p:attrNameLst>
+                                      </p:cBhvr>
+                                      <p:tavLst>
+                                        <p:tav tm="0">
+                                          <p:val>
+                                            <p:strVal val="#ppt_x"/>
+                                          </p:val>
+                                        </p:tav>
+                                        <p:tav tm="100000">
+                                          <p:val>
+                                            <p:strVal val="#ppt_x"/>
+                                          </p:val>
+                                        </p:tav>
+                                      </p:tavLst>
+                                    </p:anim>
+                                    <p:anim calcmode="lin" valueType="num">
+                                      <p:cBhvr additive="base">
+                                        <p:cTn id="44" dur="500" fill="hold"/>
+                                        <p:tgtEl>
+                                          <p:spTgt spid="57">
+                                            <p:txEl>
+                                              <p:pRg st="7" end="7"/>
+                                            </p:txEl>
+                                          </p:spTgt>
+                                        </p:tgtEl>
+                                        <p:attrNameLst>
+                                          <p:attrName>ppt_y</p:attrName>
+                                        </p:attrNameLst>
+                                      </p:cBhvr>
+                                      <p:tavLst>
+                                        <p:tav tm="0">
+                                          <p:val>
+                                            <p:strVal val="1+#ppt_h/2"/>
+                                          </p:val>
+                                        </p:tav>
+                                        <p:tav tm="100000">
+                                          <p:val>
+                                            <p:strVal val="#ppt_y"/>
+                                          </p:val>
+                                        </p:tav>
+                                      </p:tavLst>
+                                    </p:anim>
+                                  </p:childTnLst>
+                                </p:cTn>
+                              </p:par>
+                              <p:par>
+                                <p:cTn id="45" presetID="2" presetClass="entr" presetSubtype="4" fill="hold" grpId="0" nodeType="withEffect">
+                                  <p:stCondLst>
+                                    <p:cond delay="0"/>
+                                  </p:stCondLst>
+                                  <p:childTnLst>
+                                    <p:set>
+                                      <p:cBhvr>
+                                        <p:cTn id="46" dur="1" fill="hold">
+                                          <p:stCondLst>
+                                            <p:cond delay="0"/>
+                                          </p:stCondLst>
+                                        </p:cTn>
+                                        <p:tgtEl>
+                                          <p:spTgt spid="57">
+                                            <p:txEl>
+                                              <p:pRg st="8" end="8"/>
+                                            </p:txEl>
+                                          </p:spTgt>
+                                        </p:tgtEl>
+                                        <p:attrNameLst>
+                                          <p:attrName>style.visibility</p:attrName>
+                                        </p:attrNameLst>
+                                      </p:cBhvr>
+                                      <p:to>
+                                        <p:strVal val="visible"/>
+                                      </p:to>
+                                    </p:set>
+                                    <p:anim calcmode="lin" valueType="num">
+                                      <p:cBhvr additive="base">
+                                        <p:cTn id="47" dur="500" fill="hold"/>
+                                        <p:tgtEl>
+                                          <p:spTgt spid="57">
+                                            <p:txEl>
+                                              <p:pRg st="8" end="8"/>
+                                            </p:txEl>
+                                          </p:spTgt>
+                                        </p:tgtEl>
+                                        <p:attrNameLst>
+                                          <p:attrName>ppt_x</p:attrName>
+                                        </p:attrNameLst>
+                                      </p:cBhvr>
+                                      <p:tavLst>
+                                        <p:tav tm="0">
+                                          <p:val>
+                                            <p:strVal val="#ppt_x"/>
+                                          </p:val>
+                                        </p:tav>
+                                        <p:tav tm="100000">
+                                          <p:val>
+                                            <p:strVal val="#ppt_x"/>
+                                          </p:val>
+                                        </p:tav>
+                                      </p:tavLst>
+                                    </p:anim>
+                                    <p:anim calcmode="lin" valueType="num">
+                                      <p:cBhvr additive="base">
+                                        <p:cTn id="48" dur="500" fill="hold"/>
+                                        <p:tgtEl>
+                                          <p:spTgt spid="57">
+                                            <p:txEl>
+                                              <p:pRg st="8" end="8"/>
+                                            </p:txEl>
+                                          </p:spTgt>
+                                        </p:tgtEl>
+                                        <p:attrNameLst>
+                                          <p:attrName>ppt_y</p:attrName>
+                                        </p:attrNameLst>
+                                      </p:cBhvr>
+                                      <p:tavLst>
+                                        <p:tav tm="0">
+                                          <p:val>
+                                            <p:strVal val="1+#ppt_h/2"/>
+                                          </p:val>
+                                        </p:tav>
+                                        <p:tav tm="100000">
+                                          <p:val>
+                                            <p:strVal val="#ppt_y"/>
+                                          </p:val>
+                                        </p:tav>
+                                      </p:tavLst>
+                                    </p:anim>
+                                  </p:childTnLst>
+                                </p:cTn>
+                              </p:par>
+                              <p:par>
+                                <p:cTn id="49" presetID="2" presetClass="entr" presetSubtype="4" fill="hold" grpId="0" nodeType="withEffect">
+                                  <p:stCondLst>
+                                    <p:cond delay="0"/>
+                                  </p:stCondLst>
+                                  <p:childTnLst>
+                                    <p:set>
+                                      <p:cBhvr>
+                                        <p:cTn id="50" dur="1" fill="hold">
+                                          <p:stCondLst>
+                                            <p:cond delay="0"/>
+                                          </p:stCondLst>
+                                        </p:cTn>
+                                        <p:tgtEl>
+                                          <p:spTgt spid="57">
+                                            <p:txEl>
+                                              <p:pRg st="9" end="9"/>
+                                            </p:txEl>
+                                          </p:spTgt>
+                                        </p:tgtEl>
+                                        <p:attrNameLst>
+                                          <p:attrName>style.visibility</p:attrName>
+                                        </p:attrNameLst>
+                                      </p:cBhvr>
+                                      <p:to>
+                                        <p:strVal val="visible"/>
+                                      </p:to>
+                                    </p:set>
+                                    <p:anim calcmode="lin" valueType="num">
+                                      <p:cBhvr additive="base">
+                                        <p:cTn id="51" dur="500" fill="hold"/>
+                                        <p:tgtEl>
+                                          <p:spTgt spid="57">
+                                            <p:txEl>
+                                              <p:pRg st="9" end="9"/>
+                                            </p:txEl>
+                                          </p:spTgt>
+                                        </p:tgtEl>
+                                        <p:attrNameLst>
+                                          <p:attrName>ppt_x</p:attrName>
+                                        </p:attrNameLst>
+                                      </p:cBhvr>
+                                      <p:tavLst>
+                                        <p:tav tm="0">
+                                          <p:val>
+                                            <p:strVal val="#ppt_x"/>
+                                          </p:val>
+                                        </p:tav>
+                                        <p:tav tm="100000">
+                                          <p:val>
+                                            <p:strVal val="#ppt_x"/>
+                                          </p:val>
+                                        </p:tav>
+                                      </p:tavLst>
+                                    </p:anim>
+                                    <p:anim calcmode="lin" valueType="num">
+                                      <p:cBhvr additive="base">
+                                        <p:cTn id="52" dur="500" fill="hold"/>
+                                        <p:tgtEl>
+                                          <p:spTgt spid="57">
+                                            <p:txEl>
+                                              <p:pRg st="9" end="9"/>
+                                            </p:txEl>
+                                          </p:spTgt>
+                                        </p:tgtEl>
+                                        <p:attrNameLst>
+                                          <p:attrName>ppt_y</p:attrName>
+                                        </p:attrNameLst>
+                                      </p:cBhvr>
+                                      <p:tavLst>
+                                        <p:tav tm="0">
+                                          <p:val>
+                                            <p:strVal val="1+#ppt_h/2"/>
+                                          </p:val>
+                                        </p:tav>
+                                        <p:tav tm="100000">
+                                          <p:val>
+                                            <p:strVal val="#ppt_y"/>
+                                          </p:val>
+                                        </p:tav>
+                                      </p:tavLst>
+                                    </p:anim>
+                                  </p:childTnLst>
+                                </p:cTn>
+                              </p:par>
+                            </p:childTnLst>
+                          </p:cTn>
+                        </p:par>
+                      </p:childTnLst>
+                    </p:cTn>
+                  </p:par>
+                  <p:par>
+                    <p:cTn id="53" fill="hold">
+                      <p:stCondLst>
+                        <p:cond delay="indefinite"/>
+                      </p:stCondLst>
+                      <p:childTnLst>
+                        <p:par>
+                          <p:cTn id="54" fill="hold">
+                            <p:stCondLst>
+                              <p:cond delay="0"/>
+                            </p:stCondLst>
+                            <p:childTnLst>
+                              <p:par>
+                                <p:cTn id="55" presetID="2" presetClass="entr" presetSubtype="4" fill="hold" grpId="0" nodeType="clickEffect">
+                                  <p:stCondLst>
+                                    <p:cond delay="0"/>
+                                  </p:stCondLst>
+                                  <p:childTnLst>
+                                    <p:set>
+                                      <p:cBhvr>
+                                        <p:cTn id="56" dur="1" fill="hold">
+                                          <p:stCondLst>
+                                            <p:cond delay="0"/>
+                                          </p:stCondLst>
+                                        </p:cTn>
+                                        <p:tgtEl>
+                                          <p:spTgt spid="57">
+                                            <p:txEl>
+                                              <p:pRg st="10" end="10"/>
+                                            </p:txEl>
+                                          </p:spTgt>
+                                        </p:tgtEl>
+                                        <p:attrNameLst>
+                                          <p:attrName>style.visibility</p:attrName>
+                                        </p:attrNameLst>
+                                      </p:cBhvr>
+                                      <p:to>
+                                        <p:strVal val="visible"/>
+                                      </p:to>
+                                    </p:set>
+                                    <p:anim calcmode="lin" valueType="num">
+                                      <p:cBhvr additive="base">
+                                        <p:cTn id="57" dur="500" fill="hold"/>
+                                        <p:tgtEl>
+                                          <p:spTgt spid="57">
+                                            <p:txEl>
+                                              <p:pRg st="10" end="10"/>
+                                            </p:txEl>
+                                          </p:spTgt>
+                                        </p:tgtEl>
+                                        <p:attrNameLst>
+                                          <p:attrName>ppt_x</p:attrName>
+                                        </p:attrNameLst>
+                                      </p:cBhvr>
+                                      <p:tavLst>
+                                        <p:tav tm="0">
+                                          <p:val>
+                                            <p:strVal val="#ppt_x"/>
+                                          </p:val>
+                                        </p:tav>
+                                        <p:tav tm="100000">
+                                          <p:val>
+                                            <p:strVal val="#ppt_x"/>
+                                          </p:val>
+                                        </p:tav>
+                                      </p:tavLst>
+                                    </p:anim>
+                                    <p:anim calcmode="lin" valueType="num">
+                                      <p:cBhvr additive="base">
+                                        <p:cTn id="58" dur="500" fill="hold"/>
+                                        <p:tgtEl>
+                                          <p:spTgt spid="57">
+                                            <p:txEl>
+                                              <p:pRg st="10" end="10"/>
+                                            </p:txEl>
+                                          </p:spTgt>
+                                        </p:tgtEl>
+                                        <p:attrNameLst>
+                                          <p:attrName>ppt_y</p:attrName>
+                                        </p:attrNameLst>
+                                      </p:cBhvr>
+                                      <p:tavLst>
+                                        <p:tav tm="0">
+                                          <p:val>
+                                            <p:strVal val="1+#ppt_h/2"/>
+                                          </p:val>
+                                        </p:tav>
+                                        <p:tav tm="100000">
+                                          <p:val>
+                                            <p:strVal val="#ppt_y"/>
+                                          </p:val>
+                                        </p:tav>
+                                      </p:tavLst>
+                                    </p:anim>
+                                  </p:childTnLst>
+                                </p:cTn>
+                              </p:par>
+                              <p:par>
+                                <p:cTn id="59" presetID="2" presetClass="entr" presetSubtype="4" fill="hold" grpId="0" nodeType="withEffect">
+                                  <p:stCondLst>
+                                    <p:cond delay="0"/>
+                                  </p:stCondLst>
+                                  <p:childTnLst>
+                                    <p:set>
+                                      <p:cBhvr>
+                                        <p:cTn id="60" dur="1" fill="hold">
+                                          <p:stCondLst>
+                                            <p:cond delay="0"/>
+                                          </p:stCondLst>
+                                        </p:cTn>
+                                        <p:tgtEl>
+                                          <p:spTgt spid="57">
+                                            <p:txEl>
+                                              <p:pRg st="11" end="11"/>
+                                            </p:txEl>
+                                          </p:spTgt>
+                                        </p:tgtEl>
+                                        <p:attrNameLst>
+                                          <p:attrName>style.visibility</p:attrName>
+                                        </p:attrNameLst>
+                                      </p:cBhvr>
+                                      <p:to>
+                                        <p:strVal val="visible"/>
+                                      </p:to>
+                                    </p:set>
+                                    <p:anim calcmode="lin" valueType="num">
+                                      <p:cBhvr additive="base">
+                                        <p:cTn id="61" dur="500" fill="hold"/>
+                                        <p:tgtEl>
+                                          <p:spTgt spid="57">
+                                            <p:txEl>
+                                              <p:pRg st="11" end="11"/>
+                                            </p:txEl>
+                                          </p:spTgt>
+                                        </p:tgtEl>
+                                        <p:attrNameLst>
+                                          <p:attrName>ppt_x</p:attrName>
+                                        </p:attrNameLst>
+                                      </p:cBhvr>
+                                      <p:tavLst>
+                                        <p:tav tm="0">
+                                          <p:val>
+                                            <p:strVal val="#ppt_x"/>
+                                          </p:val>
+                                        </p:tav>
+                                        <p:tav tm="100000">
+                                          <p:val>
+                                            <p:strVal val="#ppt_x"/>
+                                          </p:val>
+                                        </p:tav>
+                                      </p:tavLst>
+                                    </p:anim>
+                                    <p:anim calcmode="lin" valueType="num">
+                                      <p:cBhvr additive="base">
+                                        <p:cTn id="62" dur="500" fill="hold"/>
+                                        <p:tgtEl>
+                                          <p:spTgt spid="57">
+                                            <p:txEl>
+                                              <p:pRg st="11" end="11"/>
+                                            </p:txEl>
+                                          </p:spTgt>
+                                        </p:tgtEl>
+                                        <p:attrNameLst>
+                                          <p:attrName>ppt_y</p:attrName>
+                                        </p:attrNameLst>
+                                      </p:cBhvr>
+                                      <p:tavLst>
+                                        <p:tav tm="0">
+                                          <p:val>
+                                            <p:strVal val="1+#ppt_h/2"/>
+                                          </p:val>
+                                        </p:tav>
+                                        <p:tav tm="100000">
+                                          <p:val>
+                                            <p:strVal val="#ppt_y"/>
+                                          </p:val>
+                                        </p:tav>
+                                      </p:tavLst>
+                                    </p:anim>
+                                  </p:childTnLst>
+                                </p:cTn>
+                              </p:par>
+                              <p:par>
+                                <p:cTn id="63" presetID="2" presetClass="entr" presetSubtype="4" fill="hold" grpId="0" nodeType="withEffect">
+                                  <p:stCondLst>
+                                    <p:cond delay="0"/>
+                                  </p:stCondLst>
+                                  <p:childTnLst>
+                                    <p:set>
+                                      <p:cBhvr>
+                                        <p:cTn id="64" dur="1" fill="hold">
+                                          <p:stCondLst>
+                                            <p:cond delay="0"/>
+                                          </p:stCondLst>
+                                        </p:cTn>
+                                        <p:tgtEl>
+                                          <p:spTgt spid="57">
+                                            <p:txEl>
+                                              <p:pRg st="12" end="12"/>
+                                            </p:txEl>
+                                          </p:spTgt>
+                                        </p:tgtEl>
+                                        <p:attrNameLst>
+                                          <p:attrName>style.visibility</p:attrName>
+                                        </p:attrNameLst>
+                                      </p:cBhvr>
+                                      <p:to>
+                                        <p:strVal val="visible"/>
+                                      </p:to>
+                                    </p:set>
+                                    <p:anim calcmode="lin" valueType="num">
+                                      <p:cBhvr additive="base">
+                                        <p:cTn id="65" dur="500" fill="hold"/>
+                                        <p:tgtEl>
+                                          <p:spTgt spid="57">
+                                            <p:txEl>
+                                              <p:pRg st="12" end="12"/>
+                                            </p:txEl>
+                                          </p:spTgt>
+                                        </p:tgtEl>
+                                        <p:attrNameLst>
+                                          <p:attrName>ppt_x</p:attrName>
+                                        </p:attrNameLst>
+                                      </p:cBhvr>
+                                      <p:tavLst>
+                                        <p:tav tm="0">
+                                          <p:val>
+                                            <p:strVal val="#ppt_x"/>
+                                          </p:val>
+                                        </p:tav>
+                                        <p:tav tm="100000">
+                                          <p:val>
+                                            <p:strVal val="#ppt_x"/>
+                                          </p:val>
+                                        </p:tav>
+                                      </p:tavLst>
+                                    </p:anim>
+                                    <p:anim calcmode="lin" valueType="num">
+                                      <p:cBhvr additive="base">
+                                        <p:cTn id="66" dur="500" fill="hold"/>
+                                        <p:tgtEl>
+                                          <p:spTgt spid="57">
+                                            <p:txEl>
+                                              <p:pRg st="12" end="12"/>
+                                            </p:txEl>
+                                          </p:spTgt>
+                                        </p:tgtEl>
+                                        <p:attrNameLst>
+                                          <p:attrName>ppt_y</p:attrName>
+                                        </p:attrNameLst>
+                                      </p:cBhvr>
+                                      <p:tavLst>
+                                        <p:tav tm="0">
+                                          <p:val>
+                                            <p:strVal val="1+#ppt_h/2"/>
+                                          </p:val>
+                                        </p:tav>
+                                        <p:tav tm="100000">
+                                          <p:val>
+                                            <p:strVal val="#ppt_y"/>
+                                          </p:val>
+                                        </p:tav>
+                                      </p:tavLst>
+                                    </p:anim>
+                                  </p:childTnLst>
+                                </p:cTn>
+                              </p:par>
+                              <p:par>
+                                <p:cTn id="67" presetID="2" presetClass="entr" presetSubtype="4" fill="hold" grpId="0" nodeType="withEffect">
+                                  <p:stCondLst>
+                                    <p:cond delay="0"/>
+                                  </p:stCondLst>
+                                  <p:childTnLst>
+                                    <p:set>
+                                      <p:cBhvr>
+                                        <p:cTn id="68" dur="1" fill="hold">
+                                          <p:stCondLst>
+                                            <p:cond delay="0"/>
+                                          </p:stCondLst>
+                                        </p:cTn>
+                                        <p:tgtEl>
+                                          <p:spTgt spid="57">
+                                            <p:txEl>
+                                              <p:pRg st="13" end="13"/>
+                                            </p:txEl>
+                                          </p:spTgt>
+                                        </p:tgtEl>
+                                        <p:attrNameLst>
+                                          <p:attrName>style.visibility</p:attrName>
+                                        </p:attrNameLst>
+                                      </p:cBhvr>
+                                      <p:to>
+                                        <p:strVal val="visible"/>
+                                      </p:to>
+                                    </p:set>
+                                    <p:anim calcmode="lin" valueType="num">
+                                      <p:cBhvr additive="base">
+                                        <p:cTn id="69" dur="500" fill="hold"/>
+                                        <p:tgtEl>
+                                          <p:spTgt spid="57">
+                                            <p:txEl>
+                                              <p:pRg st="13" end="13"/>
+                                            </p:txEl>
+                                          </p:spTgt>
+                                        </p:tgtEl>
+                                        <p:attrNameLst>
+                                          <p:attrName>ppt_x</p:attrName>
+                                        </p:attrNameLst>
+                                      </p:cBhvr>
+                                      <p:tavLst>
+                                        <p:tav tm="0">
+                                          <p:val>
+                                            <p:strVal val="#ppt_x"/>
+                                          </p:val>
+                                        </p:tav>
+                                        <p:tav tm="100000">
+                                          <p:val>
+                                            <p:strVal val="#ppt_x"/>
+                                          </p:val>
+                                        </p:tav>
+                                      </p:tavLst>
+                                    </p:anim>
+                                    <p:anim calcmode="lin" valueType="num">
+                                      <p:cBhvr additive="base">
+                                        <p:cTn id="70" dur="500" fill="hold"/>
+                                        <p:tgtEl>
+                                          <p:spTgt spid="57">
+                                            <p:txEl>
+                                              <p:pRg st="13" end="13"/>
+                                            </p:txEl>
+                                          </p:spTgt>
+                                        </p:tgtEl>
+                                        <p:attrNameLst>
+                                          <p:attrName>ppt_y</p:attrName>
+                                        </p:attrNameLst>
+                                      </p:cBhvr>
+                                      <p:tavLst>
+                                        <p:tav tm="0">
+                                          <p:val>
+                                            <p:strVal val="1+#ppt_h/2"/>
+                                          </p:val>
+                                        </p:tav>
+                                        <p:tav tm="100000">
+                                          <p:val>
+                                            <p:strVal val="#ppt_y"/>
+                                          </p:val>
+                                        </p:tav>
+                                      </p:tavLst>
+                                    </p:anim>
+                                  </p:childTnLst>
+                                </p:cTn>
+                              </p:par>
+                            </p:childTnLst>
+                          </p:cTn>
+                        </p:par>
+                      </p:childTnLst>
+                    </p:cTn>
+                  </p:par>
+                  <p:par>
+                    <p:cTn id="71" fill="hold">
+                      <p:stCondLst>
+                        <p:cond delay="indefinite"/>
+                      </p:stCondLst>
+                      <p:childTnLst>
+                        <p:par>
+                          <p:cTn id="72" fill="hold">
+                            <p:stCondLst>
+                              <p:cond delay="0"/>
+                            </p:stCondLst>
+                            <p:childTnLst>
+                              <p:par>
+                                <p:cTn id="73" presetID="2" presetClass="entr" presetSubtype="4" fill="hold" grpId="0" nodeType="clickEffect">
+                                  <p:stCondLst>
+                                    <p:cond delay="0"/>
+                                  </p:stCondLst>
+                                  <p:childTnLst>
+                                    <p:set>
+                                      <p:cBhvr>
+                                        <p:cTn id="74" dur="1" fill="hold">
+                                          <p:stCondLst>
+                                            <p:cond delay="0"/>
+                                          </p:stCondLst>
+                                        </p:cTn>
+                                        <p:tgtEl>
+                                          <p:spTgt spid="57">
+                                            <p:txEl>
+                                              <p:pRg st="14" end="14"/>
+                                            </p:txEl>
+                                          </p:spTgt>
+                                        </p:tgtEl>
+                                        <p:attrNameLst>
+                                          <p:attrName>style.visibility</p:attrName>
+                                        </p:attrNameLst>
+                                      </p:cBhvr>
+                                      <p:to>
+                                        <p:strVal val="visible"/>
+                                      </p:to>
+                                    </p:set>
+                                    <p:anim calcmode="lin" valueType="num">
+                                      <p:cBhvr additive="base">
+                                        <p:cTn id="75" dur="500" fill="hold"/>
+                                        <p:tgtEl>
+                                          <p:spTgt spid="57">
+                                            <p:txEl>
+                                              <p:pRg st="14" end="14"/>
+                                            </p:txEl>
+                                          </p:spTgt>
+                                        </p:tgtEl>
+                                        <p:attrNameLst>
+                                          <p:attrName>ppt_x</p:attrName>
+                                        </p:attrNameLst>
+                                      </p:cBhvr>
+                                      <p:tavLst>
+                                        <p:tav tm="0">
+                                          <p:val>
+                                            <p:strVal val="#ppt_x"/>
+                                          </p:val>
+                                        </p:tav>
+                                        <p:tav tm="100000">
+                                          <p:val>
+                                            <p:strVal val="#ppt_x"/>
+                                          </p:val>
+                                        </p:tav>
+                                      </p:tavLst>
+                                    </p:anim>
+                                    <p:anim calcmode="lin" valueType="num">
+                                      <p:cBhvr additive="base">
+                                        <p:cTn id="76" dur="500" fill="hold"/>
+                                        <p:tgtEl>
+                                          <p:spTgt spid="57">
+                                            <p:txEl>
+                                              <p:pRg st="14" end="14"/>
+                                            </p:txEl>
+                                          </p:spTgt>
+                                        </p:tgtEl>
+                                        <p:attrNameLst>
+                                          <p:attrName>ppt_y</p:attrName>
+                                        </p:attrNameLst>
+                                      </p:cBhvr>
+                                      <p:tavLst>
+                                        <p:tav tm="0">
+                                          <p:val>
+                                            <p:strVal val="1+#ppt_h/2"/>
+                                          </p:val>
+                                        </p:tav>
+                                        <p:tav tm="100000">
+                                          <p:val>
+                                            <p:strVal val="#ppt_y"/>
+                                          </p:val>
+                                        </p:tav>
+                                      </p:tavLst>
+                                    </p:anim>
+                                  </p:childTnLst>
+                                </p:cTn>
+                              </p:par>
+                            </p:childTnLst>
+                          </p:cTn>
+                        </p:par>
+                      </p:childTnLst>
+                    </p:cTn>
+                  </p:par>
+                </p:childTnLst>
+              </p:cTn>
+              <p:prevCondLst>
+                <p:cond evt="onPrev" delay="0">
+                  <p:tgtEl>
+                    <p:sldTgt/>
+                  </p:tgtEl>
+                </p:cond>
+              </p:prevCondLst>
+              <p:nextCondLst>
+                <p:cond evt="onNext" delay="0">
+                  <p:tgtEl>
+                    <p:sldTgt/>
+                  </p:tgtEl>
+                </p:cond>
+              </p:nextCondLst>
+            </p:seq>
+          </p:childTnLst>
+        </p:cTn>
+      </p:par>
+    </p:tnLst>
+    <p:bldLst>
+      <p:bldP spid="57" grpId="0" uiExpand="1" build="p"/>
+    </p:bldLst>
+  </p:timing>
 </p:sld>
 </file>
 
